--- a/System analysis/requirements specification document.pptx
+++ b/System analysis/requirements specification document.pptx
@@ -5,7 +5,7 @@
     <p:sldMasterId id="2147483696" r:id="rId1"/>
   </p:sldMasterIdLst>
   <p:notesMasterIdLst>
-    <p:notesMasterId r:id="rId16"/>
+    <p:notesMasterId r:id="rId12"/>
   </p:notesMasterIdLst>
   <p:sldIdLst>
     <p:sldId id="256" r:id="rId2"/>
@@ -13,15 +13,11 @@
     <p:sldId id="257" r:id="rId4"/>
     <p:sldId id="258" r:id="rId5"/>
     <p:sldId id="259" r:id="rId6"/>
-    <p:sldId id="272" r:id="rId7"/>
-    <p:sldId id="273" r:id="rId8"/>
-    <p:sldId id="261" r:id="rId9"/>
-    <p:sldId id="262" r:id="rId10"/>
-    <p:sldId id="263" r:id="rId11"/>
-    <p:sldId id="264" r:id="rId12"/>
-    <p:sldId id="265" r:id="rId13"/>
-    <p:sldId id="266" r:id="rId14"/>
-    <p:sldId id="267" r:id="rId15"/>
+    <p:sldId id="261" r:id="rId7"/>
+    <p:sldId id="263" r:id="rId8"/>
+    <p:sldId id="265" r:id="rId9"/>
+    <p:sldId id="266" r:id="rId10"/>
+    <p:sldId id="267" r:id="rId11"/>
   </p:sldIdLst>
   <p:sldSz cx="9144000" cy="6858000" type="screen4x3"/>
   <p:notesSz cx="6858000" cy="9144000"/>
@@ -130,12 +126,8 @@
             <p14:sldId id="257"/>
             <p14:sldId id="258"/>
             <p14:sldId id="259"/>
-            <p14:sldId id="272"/>
-            <p14:sldId id="273"/>
             <p14:sldId id="261"/>
-            <p14:sldId id="262"/>
             <p14:sldId id="263"/>
-            <p14:sldId id="264"/>
             <p14:sldId id="265"/>
             <p14:sldId id="266"/>
             <p14:sldId id="267"/>
@@ -12012,7 +12004,7 @@
           <a:p>
             <a:fld id="{383060E4-ABD0-48D8-8B6F-E6FE1597BD03}" type="datetimeFigureOut">
               <a:rPr lang="en-US" smtClean="0"/>
-              <a:t>10/23/2022</a:t>
+              <a:t>11/12/2022</a:t>
             </a:fld>
             <a:endParaRPr lang="en-US"/>
           </a:p>
@@ -12437,90 +12429,6 @@
     </p:spTree>
     <p:extLst>
       <p:ext uri="{BB962C8B-B14F-4D97-AF65-F5344CB8AC3E}">
-        <p14:creationId xmlns:p14="http://schemas.microsoft.com/office/powerpoint/2010/main" val="3331593626"/>
-      </p:ext>
-    </p:extLst>
-  </p:cSld>
-  <p:clrMapOvr>
-    <a:masterClrMapping/>
-  </p:clrMapOvr>
-</p:notes>
-</file>
-
-<file path=ppt/notesSlides/notesSlide3.xml><?xml version="1.0" encoding="utf-8"?>
-<p:notes xmlns:a="http://schemas.openxmlformats.org/drawingml/2006/main" xmlns:r="http://schemas.openxmlformats.org/officeDocument/2006/relationships" xmlns:p="http://schemas.openxmlformats.org/presentationml/2006/main">
-  <p:cSld>
-    <p:spTree>
-      <p:nvGrpSpPr>
-        <p:cNvPr id="1" name=""/>
-        <p:cNvGrpSpPr/>
-        <p:nvPr/>
-      </p:nvGrpSpPr>
-      <p:grpSpPr>
-        <a:xfrm>
-          <a:off x="0" y="0"/>
-          <a:ext cx="0" cy="0"/>
-          <a:chOff x="0" y="0"/>
-          <a:chExt cx="0" cy="0"/>
-        </a:xfrm>
-      </p:grpSpPr>
-      <p:sp>
-        <p:nvSpPr>
-          <p:cNvPr id="2" name="Slide Image Placeholder 1"/>
-          <p:cNvSpPr>
-            <a:spLocks noGrp="1" noRot="1" noChangeAspect="1"/>
-          </p:cNvSpPr>
-          <p:nvPr>
-            <p:ph type="sldImg"/>
-          </p:nvPr>
-        </p:nvSpPr>
-        <p:spPr/>
-      </p:sp>
-      <p:sp>
-        <p:nvSpPr>
-          <p:cNvPr id="3" name="Notes Placeholder 2"/>
-          <p:cNvSpPr>
-            <a:spLocks noGrp="1"/>
-          </p:cNvSpPr>
-          <p:nvPr>
-            <p:ph type="body" idx="1"/>
-          </p:nvPr>
-        </p:nvSpPr>
-        <p:spPr/>
-        <p:txBody>
-          <a:bodyPr/>
-          <a:lstStyle/>
-          <a:p>
-            <a:endParaRPr lang="en-US" dirty="0"/>
-          </a:p>
-        </p:txBody>
-      </p:sp>
-      <p:sp>
-        <p:nvSpPr>
-          <p:cNvPr id="4" name="Slide Number Placeholder 3"/>
-          <p:cNvSpPr>
-            <a:spLocks noGrp="1"/>
-          </p:cNvSpPr>
-          <p:nvPr>
-            <p:ph type="sldNum" sz="quarter" idx="5"/>
-          </p:nvPr>
-        </p:nvSpPr>
-        <p:spPr/>
-        <p:txBody>
-          <a:bodyPr/>
-          <a:lstStyle/>
-          <a:p>
-            <a:fld id="{2FEF8B54-14BA-4EDF-9A12-F9AAEA43B225}" type="slidenum">
-              <a:rPr lang="en-US" smtClean="0"/>
-              <a:t>8</a:t>
-            </a:fld>
-            <a:endParaRPr lang="en-US"/>
-          </a:p>
-        </p:txBody>
-      </p:sp>
-    </p:spTree>
-    <p:extLst>
-      <p:ext uri="{BB962C8B-B14F-4D97-AF65-F5344CB8AC3E}">
         <p14:creationId xmlns:p14="http://schemas.microsoft.com/office/powerpoint/2010/main" val="1121001958"/>
       </p:ext>
     </p:extLst>
@@ -12723,7 +12631,7 @@
           <a:p>
             <a:fld id="{B988385E-B6E0-4C36-A721-58EE60D64FEF}" type="datetimeFigureOut">
               <a:rPr lang="en-US" smtClean="0"/>
-              <a:t>10/23/2022</a:t>
+              <a:t>11/12/2022</a:t>
             </a:fld>
             <a:endParaRPr lang="en-US"/>
           </a:p>
@@ -12887,7 +12795,7 @@
           <a:p>
             <a:fld id="{B988385E-B6E0-4C36-A721-58EE60D64FEF}" type="datetimeFigureOut">
               <a:rPr lang="en-US" smtClean="0"/>
-              <a:t>10/23/2022</a:t>
+              <a:t>11/12/2022</a:t>
             </a:fld>
             <a:endParaRPr lang="en-US"/>
           </a:p>
@@ -13061,7 +12969,7 @@
           <a:p>
             <a:fld id="{B988385E-B6E0-4C36-A721-58EE60D64FEF}" type="datetimeFigureOut">
               <a:rPr lang="en-US" smtClean="0"/>
-              <a:t>10/23/2022</a:t>
+              <a:t>11/12/2022</a:t>
             </a:fld>
             <a:endParaRPr lang="en-US"/>
           </a:p>
@@ -13244,7 +13152,7 @@
           <a:p>
             <a:fld id="{B988385E-B6E0-4C36-A721-58EE60D64FEF}" type="datetimeFigureOut">
               <a:rPr lang="en-US" smtClean="0"/>
-              <a:t>10/23/2022</a:t>
+              <a:t>11/12/2022</a:t>
             </a:fld>
             <a:endParaRPr lang="en-US"/>
           </a:p>
@@ -13506,7 +13414,7 @@
           <a:p>
             <a:fld id="{B988385E-B6E0-4C36-A721-58EE60D64FEF}" type="datetimeFigureOut">
               <a:rPr lang="en-US" smtClean="0"/>
-              <a:t>10/23/2022</a:t>
+              <a:t>11/12/2022</a:t>
             </a:fld>
             <a:endParaRPr lang="en-US"/>
           </a:p>
@@ -13853,7 +13761,7 @@
           <a:p>
             <a:fld id="{B988385E-B6E0-4C36-A721-58EE60D64FEF}" type="datetimeFigureOut">
               <a:rPr lang="en-US" smtClean="0"/>
-              <a:t>10/23/2022</a:t>
+              <a:t>11/12/2022</a:t>
             </a:fld>
             <a:endParaRPr lang="en-US"/>
           </a:p>
@@ -14159,7 +14067,7 @@
           <a:p>
             <a:fld id="{B988385E-B6E0-4C36-A721-58EE60D64FEF}" type="datetimeFigureOut">
               <a:rPr lang="en-US" smtClean="0"/>
-              <a:t>10/23/2022</a:t>
+              <a:t>11/12/2022</a:t>
             </a:fld>
             <a:endParaRPr lang="en-US"/>
           </a:p>
@@ -14386,7 +14294,7 @@
           <a:p>
             <a:fld id="{B988385E-B6E0-4C36-A721-58EE60D64FEF}" type="datetimeFigureOut">
               <a:rPr lang="en-US" smtClean="0"/>
-              <a:t>10/23/2022</a:t>
+              <a:t>11/12/2022</a:t>
             </a:fld>
             <a:endParaRPr lang="en-US"/>
           </a:p>
@@ -14476,7 +14384,7 @@
           <a:p>
             <a:fld id="{B988385E-B6E0-4C36-A721-58EE60D64FEF}" type="datetimeFigureOut">
               <a:rPr lang="en-US" smtClean="0"/>
-              <a:t>10/23/2022</a:t>
+              <a:t>11/12/2022</a:t>
             </a:fld>
             <a:endParaRPr lang="en-US"/>
           </a:p>
@@ -14764,7 +14672,7 @@
           <a:p>
             <a:fld id="{B988385E-B6E0-4C36-A721-58EE60D64FEF}" type="datetimeFigureOut">
               <a:rPr lang="en-US" smtClean="0"/>
-              <a:t>10/23/2022</a:t>
+              <a:t>11/12/2022</a:t>
             </a:fld>
             <a:endParaRPr lang="en-US"/>
           </a:p>
@@ -15033,7 +14941,7 @@
           <a:p>
             <a:fld id="{B988385E-B6E0-4C36-A721-58EE60D64FEF}" type="datetimeFigureOut">
               <a:rPr lang="en-US" smtClean="0"/>
-              <a:t>10/23/2022</a:t>
+              <a:t>11/12/2022</a:t>
             </a:fld>
             <a:endParaRPr lang="en-US"/>
           </a:p>
@@ -15243,7 +15151,7 @@
           <a:p>
             <a:fld id="{B988385E-B6E0-4C36-A721-58EE60D64FEF}" type="datetimeFigureOut">
               <a:rPr lang="en-US" smtClean="0"/>
-              <a:t>10/23/2022</a:t>
+              <a:t>11/12/2022</a:t>
             </a:fld>
             <a:endParaRPr lang="en-US"/>
           </a:p>
@@ -15936,894 +15844,6 @@
         </p:nvSpPr>
         <p:spPr>
           <a:xfrm>
-            <a:off x="1447800" y="152400"/>
-            <a:ext cx="6553200" cy="914400"/>
-          </a:xfrm>
-          <a:prstGeom prst="ribbon">
-            <a:avLst/>
-          </a:prstGeom>
-        </p:spPr>
-        <p:style>
-          <a:lnRef idx="1">
-            <a:schemeClr val="accent1"/>
-          </a:lnRef>
-          <a:fillRef idx="2">
-            <a:schemeClr val="accent1"/>
-          </a:fillRef>
-          <a:effectRef idx="1">
-            <a:schemeClr val="accent1"/>
-          </a:effectRef>
-          <a:fontRef idx="minor">
-            <a:schemeClr val="dk1"/>
-          </a:fontRef>
-        </p:style>
-        <p:txBody>
-          <a:bodyPr rtlCol="0" anchor="ctr"/>
-          <a:lstStyle/>
-          <a:p>
-            <a:pPr algn="ctr"/>
-            <a:r>
-              <a:rPr lang="en-US" sz="2800" b="1" dirty="0">
-                <a:solidFill>
-                  <a:srgbClr val="0070C0"/>
-                </a:solidFill>
-                <a:cs typeface="Arial"/>
-              </a:rPr>
-              <a:t>Seller</a:t>
-            </a:r>
-            <a:endParaRPr lang="en-US" dirty="0"/>
-          </a:p>
-        </p:txBody>
-      </p:sp>
-      <p:sp>
-        <p:nvSpPr>
-          <p:cNvPr id="5" name="Rectangle 4"/>
-          <p:cNvSpPr/>
-          <p:nvPr/>
-        </p:nvSpPr>
-        <p:spPr>
-          <a:xfrm>
-            <a:off x="609600" y="1219200"/>
-            <a:ext cx="8077200" cy="6305829"/>
-          </a:xfrm>
-          <a:prstGeom prst="rect">
-            <a:avLst/>
-          </a:prstGeom>
-        </p:spPr>
-        <p:txBody>
-          <a:bodyPr wrap="square">
-            <a:spAutoFit/>
-          </a:bodyPr>
-          <a:lstStyle/>
-          <a:p>
-            <a:pPr lvl="0"/>
-            <a:r>
-              <a:rPr lang="en-US" sz="2400" b="1" dirty="0">
-                <a:solidFill>
-                  <a:srgbClr val="C00000"/>
-                </a:solidFill>
-              </a:rPr>
-              <a:t>1.     Sign up &amp; Login :</a:t>
-            </a:r>
-          </a:p>
-          <a:p>
-            <a:pPr marL="1379538" lvl="0" indent="-241300">
-              <a:buFont typeface="Wingdings" pitchFamily="2" charset="2"/>
-              <a:buChar char="§"/>
-            </a:pPr>
-            <a:r>
-              <a:rPr lang="en-US" sz="2000" b="1" dirty="0"/>
-              <a:t>The system allows the seller to sign up and log in</a:t>
-            </a:r>
-          </a:p>
-          <a:p>
-            <a:pPr marL="1379538" lvl="0" indent="-241300">
-              <a:buFont typeface="Wingdings" pitchFamily="2" charset="2"/>
-              <a:buChar char="§"/>
-            </a:pPr>
-            <a:r>
-              <a:rPr lang="en-US" sz="2000" b="1" dirty="0"/>
-              <a:t>Reset password.</a:t>
-            </a:r>
-          </a:p>
-          <a:p>
-            <a:pPr marL="1138238" lvl="0"/>
-            <a:endParaRPr lang="en-US" sz="2000" b="1" dirty="0"/>
-          </a:p>
-          <a:p>
-            <a:pPr marR="0" lvl="0" rtl="0">
-              <a:lnSpc>
-                <a:spcPct val="115000"/>
-              </a:lnSpc>
-              <a:spcBef>
-                <a:spcPts val="500"/>
-              </a:spcBef>
-              <a:spcAft>
-                <a:spcPts val="0"/>
-              </a:spcAft>
-            </a:pPr>
-            <a:r>
-              <a:rPr lang="en-US" sz="2400" b="1" dirty="0">
-                <a:solidFill>
-                  <a:srgbClr val="C00000"/>
-                </a:solidFill>
-              </a:rPr>
-              <a:t>2.    Control account:</a:t>
-            </a:r>
-          </a:p>
-          <a:p>
-            <a:pPr marL="1385888" indent="-342900">
-              <a:buFont typeface="Wingdings" pitchFamily="2" charset="2"/>
-              <a:buChar char="§"/>
-            </a:pPr>
-            <a:r>
-              <a:rPr lang="en-US" sz="2000" b="1" dirty="0"/>
-              <a:t>Update account information (ex. address).</a:t>
-            </a:r>
-          </a:p>
-          <a:p>
-            <a:pPr marL="1385888" indent="-342900">
-              <a:buFont typeface="Wingdings" pitchFamily="2" charset="2"/>
-              <a:buChar char="§"/>
-            </a:pPr>
-            <a:endParaRPr lang="en-US" sz="2000" b="1" dirty="0"/>
-          </a:p>
-          <a:p>
-            <a:r>
-              <a:rPr lang="en-US" sz="2400" b="1" dirty="0">
-                <a:solidFill>
-                  <a:srgbClr val="C00000"/>
-                </a:solidFill>
-              </a:rPr>
-              <a:t>3.   Contact: </a:t>
-            </a:r>
-          </a:p>
-          <a:p>
-            <a:pPr marL="1379538" indent="-241300">
-              <a:buFont typeface="Wingdings" pitchFamily="2" charset="2"/>
-              <a:buChar char="§"/>
-            </a:pPr>
-            <a:r>
-              <a:rPr lang="en-US" sz="2000" b="1" dirty="0"/>
-              <a:t>The seller click Contact to messages the client and retrieve product if it’s wrong product or it’s not in good condition.</a:t>
-            </a:r>
-          </a:p>
-          <a:p>
-            <a:pPr marL="1379538" indent="-241300">
-              <a:buFont typeface="Wingdings" pitchFamily="2" charset="2"/>
-              <a:buChar char="§"/>
-            </a:pPr>
-            <a:r>
-              <a:rPr lang="en-US" sz="2000" b="1" dirty="0"/>
-              <a:t>The seller messages the management to add ad.</a:t>
-            </a:r>
-          </a:p>
-          <a:p>
-            <a:pPr marL="1379538" indent="-241300">
-              <a:buFont typeface="Wingdings" pitchFamily="2" charset="2"/>
-              <a:buChar char="§"/>
-            </a:pPr>
-            <a:endParaRPr lang="en-US" sz="2000" b="1" dirty="0"/>
-          </a:p>
-          <a:p>
-            <a:r>
-              <a:rPr lang="en-US" sz="2400" b="1" dirty="0">
-                <a:solidFill>
-                  <a:srgbClr val="C00000"/>
-                </a:solidFill>
-              </a:rPr>
-              <a:t> 4.   Complaints:</a:t>
-            </a:r>
-          </a:p>
-          <a:p>
-            <a:pPr marL="1379538" lvl="1" indent="-241300">
-              <a:buFont typeface="Wingdings" pitchFamily="2" charset="2"/>
-              <a:buChar char="§"/>
-            </a:pPr>
-            <a:r>
-              <a:rPr lang="en-US" sz="2000" b="1" dirty="0"/>
-              <a:t>Sending Complaints through  mailbox for the management.</a:t>
-            </a:r>
-          </a:p>
-          <a:p>
-            <a:pPr lvl="1"/>
-            <a:r>
-              <a:rPr lang="en-US" sz="2000" b="1" dirty="0"/>
-              <a:t> </a:t>
-            </a:r>
-            <a:endParaRPr lang="en-US" sz="2000" dirty="0"/>
-          </a:p>
-          <a:p>
-            <a:pPr lvl="0"/>
-            <a:r>
-              <a:rPr lang="en-US" sz="2000" b="1" dirty="0">
-                <a:solidFill>
-                  <a:srgbClr val="C00000"/>
-                </a:solidFill>
-              </a:rPr>
-              <a:t> </a:t>
-            </a:r>
-            <a:endParaRPr lang="en-US" dirty="0"/>
-          </a:p>
-          <a:p>
-            <a:r>
-              <a:rPr lang="en-US" sz="2000" b="1" dirty="0"/>
-              <a:t> </a:t>
-            </a:r>
-            <a:endParaRPr lang="en-US" sz="2000" dirty="0"/>
-          </a:p>
-        </p:txBody>
-      </p:sp>
-    </p:spTree>
-    <p:extLst>
-      <p:ext uri="{BB962C8B-B14F-4D97-AF65-F5344CB8AC3E}">
-        <p14:creationId xmlns:p14="http://schemas.microsoft.com/office/powerpoint/2010/main" val="1857180493"/>
-      </p:ext>
-    </p:extLst>
-  </p:cSld>
-  <p:clrMapOvr>
-    <a:masterClrMapping/>
-  </p:clrMapOvr>
-</p:sld>
-</file>
-
-<file path=ppt/slides/slide11.xml><?xml version="1.0" encoding="utf-8"?>
-<p:sld xmlns:a="http://schemas.openxmlformats.org/drawingml/2006/main" xmlns:r="http://schemas.openxmlformats.org/officeDocument/2006/relationships" xmlns:p="http://schemas.openxmlformats.org/presentationml/2006/main">
-  <p:cSld>
-    <p:spTree>
-      <p:nvGrpSpPr>
-        <p:cNvPr id="1" name=""/>
-        <p:cNvGrpSpPr/>
-        <p:nvPr/>
-      </p:nvGrpSpPr>
-      <p:grpSpPr>
-        <a:xfrm>
-          <a:off x="0" y="0"/>
-          <a:ext cx="0" cy="0"/>
-          <a:chOff x="0" y="0"/>
-          <a:chExt cx="0" cy="0"/>
-        </a:xfrm>
-      </p:grpSpPr>
-      <p:sp>
-        <p:nvSpPr>
-          <p:cNvPr id="4" name="Rectangle 3"/>
-          <p:cNvSpPr/>
-          <p:nvPr/>
-        </p:nvSpPr>
-        <p:spPr>
-          <a:xfrm>
-            <a:off x="533400" y="152400"/>
-            <a:ext cx="8077200" cy="7663636"/>
-          </a:xfrm>
-          <a:prstGeom prst="rect">
-            <a:avLst/>
-          </a:prstGeom>
-        </p:spPr>
-        <p:txBody>
-          <a:bodyPr wrap="square">
-            <a:spAutoFit/>
-          </a:bodyPr>
-          <a:lstStyle/>
-          <a:p>
-            <a:pPr lvl="0"/>
-            <a:r>
-              <a:rPr lang="en-US" sz="2000" b="1" dirty="0">
-                <a:solidFill>
-                  <a:srgbClr val="C00000"/>
-                </a:solidFill>
-              </a:rPr>
-              <a:t>5.    Enter information:</a:t>
-            </a:r>
-            <a:endParaRPr lang="en-US" sz="2000" dirty="0">
-              <a:solidFill>
-                <a:srgbClr val="C00000"/>
-              </a:solidFill>
-            </a:endParaRPr>
-          </a:p>
-          <a:p>
-            <a:pPr marL="1376363" lvl="0" indent="-285750">
-              <a:buFont typeface="Wingdings" pitchFamily="2" charset="2"/>
-              <a:buChar char="§"/>
-            </a:pPr>
-            <a:r>
-              <a:rPr lang="en-US" b="1" dirty="0"/>
-              <a:t>Personal information</a:t>
-            </a:r>
-          </a:p>
-          <a:p>
-            <a:pPr marL="1833563" lvl="1" indent="-285750">
-              <a:buFont typeface="Wingdings" panose="05000000000000000000" pitchFamily="2" charset="2"/>
-              <a:buChar char="Ø"/>
-            </a:pPr>
-            <a:r>
-              <a:rPr lang="en-US" b="1" dirty="0"/>
-              <a:t> Name</a:t>
-            </a:r>
-            <a:endParaRPr lang="ar-EG" b="1" dirty="0"/>
-          </a:p>
-          <a:p>
-            <a:pPr marL="1833563" lvl="1" indent="-285750">
-              <a:buFont typeface="Wingdings" panose="05000000000000000000" pitchFamily="2" charset="2"/>
-              <a:buChar char="Ø"/>
-            </a:pPr>
-            <a:r>
-              <a:rPr lang="en-US" b="1" dirty="0"/>
-              <a:t> Address</a:t>
-            </a:r>
-          </a:p>
-          <a:p>
-            <a:pPr marL="1833563" lvl="1" indent="-285750">
-              <a:buFont typeface="Wingdings" panose="05000000000000000000" pitchFamily="2" charset="2"/>
-              <a:buChar char="Ø"/>
-            </a:pPr>
-            <a:r>
-              <a:rPr lang="en-US" b="1" dirty="0"/>
-              <a:t> Mobile number</a:t>
-            </a:r>
-          </a:p>
-          <a:p>
-            <a:pPr marL="1833563" lvl="1" indent="-285750">
-              <a:buFont typeface="Wingdings" panose="05000000000000000000" pitchFamily="2" charset="2"/>
-              <a:buChar char="Ø"/>
-            </a:pPr>
-            <a:r>
-              <a:rPr lang="en-US" b="1" dirty="0"/>
-              <a:t> Email &amp; password</a:t>
-            </a:r>
-            <a:endParaRPr lang="ar-EG" b="1" dirty="0"/>
-          </a:p>
-          <a:p>
-            <a:pPr marL="1833563" lvl="1" indent="-285750">
-              <a:buFont typeface="Wingdings" panose="05000000000000000000" pitchFamily="2" charset="2"/>
-              <a:buChar char="Ø"/>
-            </a:pPr>
-            <a:r>
-              <a:rPr lang="ar-EG" b="1" dirty="0"/>
-              <a:t> </a:t>
-            </a:r>
-            <a:r>
-              <a:rPr lang="en-US" b="1" dirty="0"/>
-              <a:t>Approval of the electronic contract</a:t>
-            </a:r>
-          </a:p>
-          <a:p>
-            <a:pPr marL="1833563" lvl="1" indent="-285750">
-              <a:buFont typeface="Wingdings" panose="05000000000000000000" pitchFamily="2" charset="2"/>
-              <a:buChar char="Ø"/>
-            </a:pPr>
-            <a:endParaRPr lang="en-US" b="1" dirty="0"/>
-          </a:p>
-          <a:p>
-            <a:pPr marL="1376363" lvl="0" indent="-285750">
-              <a:buFont typeface="Wingdings" pitchFamily="2" charset="2"/>
-              <a:buChar char="§"/>
-            </a:pPr>
-            <a:r>
-              <a:rPr lang="en-US" b="1" dirty="0"/>
-              <a:t>Payment information</a:t>
-            </a:r>
-          </a:p>
-          <a:p>
-            <a:pPr marL="1833563" lvl="1" indent="-285750">
-              <a:buFont typeface="Wingdings" panose="05000000000000000000" pitchFamily="2" charset="2"/>
-              <a:buChar char="Ø"/>
-            </a:pPr>
-            <a:r>
-              <a:rPr lang="en-US" b="1" dirty="0"/>
-              <a:t>Add  payment information (Credit account number).</a:t>
-            </a:r>
-          </a:p>
-          <a:p>
-            <a:pPr marL="1833563" lvl="1" indent="-285750">
-              <a:buFont typeface="Wingdings" panose="05000000000000000000" pitchFamily="2" charset="2"/>
-              <a:buChar char="Ø"/>
-            </a:pPr>
-            <a:endParaRPr lang="en-US" b="1" dirty="0"/>
-          </a:p>
-          <a:p>
-            <a:pPr marL="1376363" indent="-285750">
-              <a:buFont typeface="Wingdings" pitchFamily="2" charset="2"/>
-              <a:buChar char="§"/>
-            </a:pPr>
-            <a:r>
-              <a:rPr lang="en-US" b="1" dirty="0"/>
-              <a:t>Company information</a:t>
-            </a:r>
-          </a:p>
-          <a:p>
-            <a:pPr marL="1833563" lvl="1" indent="-285750">
-              <a:buFont typeface="Wingdings" panose="05000000000000000000" pitchFamily="2" charset="2"/>
-              <a:buChar char="Ø"/>
-            </a:pPr>
-            <a:r>
-              <a:rPr lang="en-US" b="1" dirty="0"/>
-              <a:t> Name</a:t>
-            </a:r>
-          </a:p>
-          <a:p>
-            <a:pPr marL="1833563" lvl="1" indent="-285750">
-              <a:buFont typeface="Wingdings" panose="05000000000000000000" pitchFamily="2" charset="2"/>
-              <a:buChar char="Ø"/>
-            </a:pPr>
-            <a:r>
-              <a:rPr lang="en-US" b="1" dirty="0"/>
-              <a:t> Address</a:t>
-            </a:r>
-          </a:p>
-          <a:p>
-            <a:pPr marL="1833563" lvl="1" indent="-285750">
-              <a:buFont typeface="Wingdings" panose="05000000000000000000" pitchFamily="2" charset="2"/>
-              <a:buChar char="Ø"/>
-            </a:pPr>
-            <a:r>
-              <a:rPr lang="en-US" b="1" dirty="0"/>
-              <a:t> Mobile number</a:t>
-            </a:r>
-          </a:p>
-          <a:p>
-            <a:pPr marL="1833563" lvl="1" indent="-285750">
-              <a:buFont typeface="Wingdings" panose="05000000000000000000" pitchFamily="2" charset="2"/>
-              <a:buChar char="Ø"/>
-            </a:pPr>
-            <a:r>
-              <a:rPr lang="en-US" b="1" dirty="0"/>
-              <a:t> Email </a:t>
-            </a:r>
-          </a:p>
-          <a:p>
-            <a:pPr lvl="0" indent="-285750">
-              <a:buFont typeface="Wingdings" panose="05000000000000000000" pitchFamily="2" charset="2"/>
-            </a:pPr>
-            <a:endParaRPr lang="ar-EG" b="1" dirty="0"/>
-          </a:p>
-          <a:p>
-            <a:pPr marL="1376363" lvl="0" indent="-285750">
-              <a:buFont typeface="Wingdings" pitchFamily="2" charset="2"/>
-              <a:buChar char="§"/>
-            </a:pPr>
-            <a:r>
-              <a:rPr lang="en-US" b="1" dirty="0"/>
-              <a:t>Product information </a:t>
-            </a:r>
-          </a:p>
-          <a:p>
-            <a:pPr marL="1833563" lvl="1" indent="-285750">
-              <a:buFont typeface="Wingdings" panose="05000000000000000000" pitchFamily="2" charset="2"/>
-              <a:buChar char="Ø"/>
-            </a:pPr>
-            <a:r>
-              <a:rPr lang="en-US" b="1" dirty="0"/>
-              <a:t>Product category</a:t>
-            </a:r>
-            <a:endParaRPr lang="ar-EG" b="1" dirty="0"/>
-          </a:p>
-          <a:p>
-            <a:pPr marL="1833563" lvl="1" indent="-285750">
-              <a:buFont typeface="Wingdings" panose="05000000000000000000" pitchFamily="2" charset="2"/>
-              <a:buChar char="Ø"/>
-            </a:pPr>
-            <a:r>
-              <a:rPr lang="en-US" b="1" dirty="0"/>
-              <a:t>Product name.</a:t>
-            </a:r>
-            <a:endParaRPr lang="ar-EG" b="1" dirty="0"/>
-          </a:p>
-          <a:p>
-            <a:pPr marL="1833563" lvl="1" indent="-285750">
-              <a:buFont typeface="Wingdings" panose="05000000000000000000" pitchFamily="2" charset="2"/>
-              <a:buChar char="Ø"/>
-            </a:pPr>
-            <a:r>
-              <a:rPr lang="en-US" b="1" dirty="0"/>
-              <a:t>Product specification.</a:t>
-            </a:r>
-          </a:p>
-          <a:p>
-            <a:pPr marL="1833563" lvl="1" indent="-285750">
-              <a:buFont typeface="Wingdings" panose="05000000000000000000" pitchFamily="2" charset="2"/>
-              <a:buChar char="Ø"/>
-            </a:pPr>
-            <a:r>
-              <a:rPr lang="en-US" b="1" dirty="0"/>
-              <a:t>Product brand.</a:t>
-            </a:r>
-            <a:endParaRPr lang="ar-EG" b="1" dirty="0"/>
-          </a:p>
-          <a:p>
-            <a:pPr marL="1833563" lvl="1" indent="-285750">
-              <a:buFont typeface="Wingdings" panose="05000000000000000000" pitchFamily="2" charset="2"/>
-              <a:buChar char="Ø"/>
-            </a:pPr>
-            <a:r>
-              <a:rPr lang="en-US" b="1" dirty="0"/>
-              <a:t>Product price.</a:t>
-            </a:r>
-          </a:p>
-          <a:p>
-            <a:pPr marL="1833563" lvl="1" indent="-285750">
-              <a:buFont typeface="Wingdings" panose="05000000000000000000" pitchFamily="2" charset="2"/>
-              <a:buChar char="Ø"/>
-            </a:pPr>
-            <a:r>
-              <a:rPr lang="en-US" b="1" dirty="0"/>
-              <a:t>Product offer.</a:t>
-            </a:r>
-            <a:endParaRPr lang="ar-EG" b="1" dirty="0"/>
-          </a:p>
-          <a:p>
-            <a:endParaRPr lang="en-US" sz="2000" dirty="0"/>
-          </a:p>
-          <a:p>
-            <a:r>
-              <a:rPr lang="en-US" sz="2000" b="1" dirty="0"/>
-              <a:t> </a:t>
-            </a:r>
-            <a:endParaRPr lang="en-US" sz="2000" dirty="0"/>
-          </a:p>
-        </p:txBody>
-      </p:sp>
-    </p:spTree>
-    <p:extLst>
-      <p:ext uri="{BB962C8B-B14F-4D97-AF65-F5344CB8AC3E}">
-        <p14:creationId xmlns:p14="http://schemas.microsoft.com/office/powerpoint/2010/main" val="1282495696"/>
-      </p:ext>
-    </p:extLst>
-  </p:cSld>
-  <p:clrMapOvr>
-    <a:masterClrMapping/>
-  </p:clrMapOvr>
-</p:sld>
-</file>
-
-<file path=ppt/slides/slide12.xml><?xml version="1.0" encoding="utf-8"?>
-<p:sld xmlns:a="http://schemas.openxmlformats.org/drawingml/2006/main" xmlns:r="http://schemas.openxmlformats.org/officeDocument/2006/relationships" xmlns:p="http://schemas.openxmlformats.org/presentationml/2006/main">
-  <p:cSld>
-    <p:spTree>
-      <p:nvGrpSpPr>
-        <p:cNvPr id="1" name=""/>
-        <p:cNvGrpSpPr/>
-        <p:nvPr/>
-      </p:nvGrpSpPr>
-      <p:grpSpPr>
-        <a:xfrm>
-          <a:off x="0" y="0"/>
-          <a:ext cx="0" cy="0"/>
-          <a:chOff x="0" y="0"/>
-          <a:chExt cx="0" cy="0"/>
-        </a:xfrm>
-      </p:grpSpPr>
-      <p:graphicFrame>
-        <p:nvGraphicFramePr>
-          <p:cNvPr id="4" name="Diagram 3"/>
-          <p:cNvGraphicFramePr/>
-          <p:nvPr>
-            <p:extLst>
-              <p:ext uri="{D42A27DB-BD31-4B8C-83A1-F6EECF244321}">
-                <p14:modId xmlns:p14="http://schemas.microsoft.com/office/powerpoint/2010/main" val="86475895"/>
-              </p:ext>
-            </p:extLst>
-          </p:nvPr>
-        </p:nvGraphicFramePr>
-        <p:xfrm>
-          <a:off x="304800" y="1219200"/>
-          <a:ext cx="8610600" cy="4064000"/>
-        </p:xfrm>
-        <a:graphic>
-          <a:graphicData uri="http://schemas.openxmlformats.org/drawingml/2006/diagram">
-            <dgm:relIds xmlns:dgm="http://schemas.openxmlformats.org/drawingml/2006/diagram" xmlns:r="http://schemas.openxmlformats.org/officeDocument/2006/relationships" r:dm="rId2" r:lo="rId3" r:qs="rId4" r:cs="rId5"/>
-          </a:graphicData>
-        </a:graphic>
-      </p:graphicFrame>
-    </p:spTree>
-    <p:extLst>
-      <p:ext uri="{BB962C8B-B14F-4D97-AF65-F5344CB8AC3E}">
-        <p14:creationId xmlns:p14="http://schemas.microsoft.com/office/powerpoint/2010/main" val="2527577485"/>
-      </p:ext>
-    </p:extLst>
-  </p:cSld>
-  <p:clrMapOvr>
-    <a:masterClrMapping/>
-  </p:clrMapOvr>
-</p:sld>
-</file>
-
-<file path=ppt/slides/slide13.xml><?xml version="1.0" encoding="utf-8"?>
-<p:sld xmlns:a="http://schemas.openxmlformats.org/drawingml/2006/main" xmlns:r="http://schemas.openxmlformats.org/officeDocument/2006/relationships" xmlns:p="http://schemas.openxmlformats.org/presentationml/2006/main">
-  <p:cSld>
-    <p:spTree>
-      <p:nvGrpSpPr>
-        <p:cNvPr id="1" name=""/>
-        <p:cNvGrpSpPr/>
-        <p:nvPr/>
-      </p:nvGrpSpPr>
-      <p:grpSpPr>
-        <a:xfrm>
-          <a:off x="0" y="0"/>
-          <a:ext cx="0" cy="0"/>
-          <a:chOff x="0" y="0"/>
-          <a:chExt cx="0" cy="0"/>
-        </a:xfrm>
-      </p:grpSpPr>
-      <p:sp>
-        <p:nvSpPr>
-          <p:cNvPr id="5" name="Down Ribbon 4"/>
-          <p:cNvSpPr/>
-          <p:nvPr/>
-        </p:nvSpPr>
-        <p:spPr>
-          <a:xfrm>
-            <a:off x="1524000" y="228600"/>
-            <a:ext cx="6553200" cy="762000"/>
-          </a:xfrm>
-          <a:prstGeom prst="ribbon">
-            <a:avLst/>
-          </a:prstGeom>
-        </p:spPr>
-        <p:style>
-          <a:lnRef idx="1">
-            <a:schemeClr val="accent1"/>
-          </a:lnRef>
-          <a:fillRef idx="2">
-            <a:schemeClr val="accent1"/>
-          </a:fillRef>
-          <a:effectRef idx="1">
-            <a:schemeClr val="accent1"/>
-          </a:effectRef>
-          <a:fontRef idx="minor">
-            <a:schemeClr val="dk1"/>
-          </a:fontRef>
-        </p:style>
-        <p:txBody>
-          <a:bodyPr rtlCol="0" anchor="ctr"/>
-          <a:lstStyle/>
-          <a:p>
-            <a:pPr algn="ctr"/>
-            <a:r>
-              <a:rPr lang="en-US" sz="2800" b="1" dirty="0">
-                <a:solidFill>
-                  <a:srgbClr val="0070C0"/>
-                </a:solidFill>
-                <a:ea typeface="Calibri"/>
-                <a:cs typeface="Arial"/>
-              </a:rPr>
-              <a:t>Operational</a:t>
-            </a:r>
-            <a:endParaRPr lang="en-US" dirty="0"/>
-          </a:p>
-        </p:txBody>
-      </p:sp>
-      <p:sp>
-        <p:nvSpPr>
-          <p:cNvPr id="6" name="TextBox 5"/>
-          <p:cNvSpPr txBox="1"/>
-          <p:nvPr/>
-        </p:nvSpPr>
-        <p:spPr>
-          <a:xfrm>
-            <a:off x="152400" y="1066800"/>
-            <a:ext cx="8991599" cy="1938992"/>
-          </a:xfrm>
-          <a:prstGeom prst="rect">
-            <a:avLst/>
-          </a:prstGeom>
-          <a:noFill/>
-        </p:spPr>
-        <p:txBody>
-          <a:bodyPr wrap="square" rtlCol="0">
-            <a:spAutoFit/>
-          </a:bodyPr>
-          <a:lstStyle/>
-          <a:p>
-            <a:pPr marL="342900" lvl="0" indent="-342900">
-              <a:buFont typeface="Wingdings" pitchFamily="2" charset="2"/>
-              <a:buChar char="§"/>
-            </a:pPr>
-            <a:r>
-              <a:rPr lang="en-US" sz="2000" b="1" dirty="0"/>
-              <a:t>Cross platforms.</a:t>
-            </a:r>
-          </a:p>
-          <a:p>
-            <a:pPr marL="342900" lvl="0" indent="-342900">
-              <a:buFont typeface="Wingdings" pitchFamily="2" charset="2"/>
-              <a:buChar char="§"/>
-            </a:pPr>
-            <a:r>
-              <a:rPr lang="en-US" sz="2000" b="1" dirty="0"/>
-              <a:t>The seller should return the product </a:t>
-            </a:r>
-            <a:r>
-              <a:rPr lang="en-US" sz="2000" b="1" dirty="0">
-                <a:solidFill>
-                  <a:prstClr val="black"/>
-                </a:solidFill>
-              </a:rPr>
-              <a:t>if it’s wrong product or it’s not in good condition.</a:t>
-            </a:r>
-            <a:r>
-              <a:rPr lang="en-US" sz="2000" b="1" dirty="0"/>
-              <a:t> </a:t>
-            </a:r>
-          </a:p>
-          <a:p>
-            <a:pPr marL="342900" lvl="0" indent="-342900">
-              <a:buFont typeface="Wingdings" pitchFamily="2" charset="2"/>
-              <a:buChar char="§"/>
-            </a:pPr>
-            <a:r>
-              <a:rPr lang="en-US" sz="2000" b="1" dirty="0"/>
-              <a:t>The system will be user friendly, consistent, intuitive and descriptive UI.</a:t>
-            </a:r>
-            <a:endParaRPr lang="en-US" sz="2000" dirty="0"/>
-          </a:p>
-          <a:p>
-            <a:pPr marL="342900" lvl="0" indent="-342900">
-              <a:buFont typeface="Wingdings" pitchFamily="2" charset="2"/>
-              <a:buChar char="§"/>
-            </a:pPr>
-            <a:r>
-              <a:rPr lang="en-US" sz="2000" b="1" dirty="0"/>
-              <a:t>The system should have a maximum of 2:3 clicks to reach any content.</a:t>
-            </a:r>
-            <a:endParaRPr lang="en-US" sz="2000" dirty="0"/>
-          </a:p>
-          <a:p>
-            <a:pPr marL="342900" lvl="0" indent="-342900">
-              <a:buFont typeface="Wingdings" pitchFamily="2" charset="2"/>
-              <a:buChar char="§"/>
-            </a:pPr>
-            <a:r>
-              <a:rPr lang="en-US" sz="2000" b="1" dirty="0"/>
-              <a:t>The system should be evolvable, scalable, testable and maintainable.</a:t>
-            </a:r>
-            <a:endParaRPr lang="en-US" sz="2000" dirty="0"/>
-          </a:p>
-        </p:txBody>
-      </p:sp>
-      <p:sp>
-        <p:nvSpPr>
-          <p:cNvPr id="7" name="Down Ribbon 6"/>
-          <p:cNvSpPr/>
-          <p:nvPr/>
-        </p:nvSpPr>
-        <p:spPr>
-          <a:xfrm>
-            <a:off x="1540042" y="3581400"/>
-            <a:ext cx="6553200" cy="755809"/>
-          </a:xfrm>
-          <a:prstGeom prst="ribbon">
-            <a:avLst/>
-          </a:prstGeom>
-        </p:spPr>
-        <p:style>
-          <a:lnRef idx="1">
-            <a:schemeClr val="accent1"/>
-          </a:lnRef>
-          <a:fillRef idx="2">
-            <a:schemeClr val="accent1"/>
-          </a:fillRef>
-          <a:effectRef idx="1">
-            <a:schemeClr val="accent1"/>
-          </a:effectRef>
-          <a:fontRef idx="minor">
-            <a:schemeClr val="dk1"/>
-          </a:fontRef>
-        </p:style>
-        <p:txBody>
-          <a:bodyPr rtlCol="0" anchor="ctr"/>
-          <a:lstStyle/>
-          <a:p>
-            <a:pPr lvl="0" algn="ctr"/>
-            <a:r>
-              <a:rPr lang="en-US" sz="2800" b="1" dirty="0">
-                <a:solidFill>
-                  <a:srgbClr val="0070C0"/>
-                </a:solidFill>
-              </a:rPr>
-              <a:t>Performance</a:t>
-            </a:r>
-            <a:endParaRPr lang="en-US" sz="4000" b="1" dirty="0">
-              <a:solidFill>
-                <a:srgbClr val="0070C0"/>
-              </a:solidFill>
-            </a:endParaRPr>
-          </a:p>
-        </p:txBody>
-      </p:sp>
-      <p:sp>
-        <p:nvSpPr>
-          <p:cNvPr id="9" name="TextBox 8"/>
-          <p:cNvSpPr txBox="1"/>
-          <p:nvPr/>
-        </p:nvSpPr>
-        <p:spPr>
-          <a:xfrm>
-            <a:off x="152400" y="4572000"/>
-            <a:ext cx="8619643" cy="1323439"/>
-          </a:xfrm>
-          <a:prstGeom prst="rect">
-            <a:avLst/>
-          </a:prstGeom>
-          <a:noFill/>
-        </p:spPr>
-        <p:txBody>
-          <a:bodyPr wrap="square" rtlCol="0">
-            <a:spAutoFit/>
-          </a:bodyPr>
-          <a:lstStyle/>
-          <a:p>
-            <a:pPr marL="342900" lvl="0" indent="-342900">
-              <a:buFont typeface="Wingdings" pitchFamily="2" charset="2"/>
-              <a:buChar char="§"/>
-            </a:pPr>
-            <a:r>
-              <a:rPr lang="en-US" sz="2000" b="1" dirty="0"/>
-              <a:t>Quick ask &amp; response (under 2 sec).</a:t>
-            </a:r>
-            <a:endParaRPr lang="en-US" sz="2000" dirty="0"/>
-          </a:p>
-          <a:p>
-            <a:pPr marL="342900" lvl="0" indent="-342900">
-              <a:buFont typeface="Wingdings" pitchFamily="2" charset="2"/>
-              <a:buChar char="§"/>
-            </a:pPr>
-            <a:r>
-              <a:rPr lang="en-US" sz="2000" b="1" dirty="0"/>
-              <a:t>The system should be available 24 hours a day.</a:t>
-            </a:r>
-            <a:endParaRPr lang="en-US" sz="2000" dirty="0"/>
-          </a:p>
-          <a:p>
-            <a:pPr marL="342900" lvl="0" indent="-342900">
-              <a:buFont typeface="Wingdings" pitchFamily="2" charset="2"/>
-              <a:buChar char="§"/>
-            </a:pPr>
-            <a:r>
-              <a:rPr lang="en-US" sz="2000" b="1" dirty="0"/>
-              <a:t>20 minutes are specified daily on a fixed date [3 am (low-intensity hours)] to maintain and update the system.</a:t>
-            </a:r>
-            <a:endParaRPr lang="en-US" sz="2000" dirty="0"/>
-          </a:p>
-        </p:txBody>
-      </p:sp>
-    </p:spTree>
-    <p:extLst>
-      <p:ext uri="{BB962C8B-B14F-4D97-AF65-F5344CB8AC3E}">
-        <p14:creationId xmlns:p14="http://schemas.microsoft.com/office/powerpoint/2010/main" val="2240713010"/>
-      </p:ext>
-    </p:extLst>
-  </p:cSld>
-  <p:clrMapOvr>
-    <a:masterClrMapping/>
-  </p:clrMapOvr>
-</p:sld>
-</file>
-
-<file path=ppt/slides/slide14.xml><?xml version="1.0" encoding="utf-8"?>
-<p:sld xmlns:a="http://schemas.openxmlformats.org/drawingml/2006/main" xmlns:r="http://schemas.openxmlformats.org/officeDocument/2006/relationships" xmlns:p="http://schemas.openxmlformats.org/presentationml/2006/main">
-  <p:cSld>
-    <p:spTree>
-      <p:nvGrpSpPr>
-        <p:cNvPr id="1" name=""/>
-        <p:cNvGrpSpPr/>
-        <p:nvPr/>
-      </p:nvGrpSpPr>
-      <p:grpSpPr>
-        <a:xfrm>
-          <a:off x="0" y="0"/>
-          <a:ext cx="0" cy="0"/>
-          <a:chOff x="0" y="0"/>
-          <a:chExt cx="0" cy="0"/>
-        </a:xfrm>
-      </p:grpSpPr>
-      <p:sp>
-        <p:nvSpPr>
-          <p:cNvPr id="4" name="Down Ribbon 3"/>
-          <p:cNvSpPr/>
-          <p:nvPr/>
-        </p:nvSpPr>
-        <p:spPr>
-          <a:xfrm>
             <a:off x="1447800" y="280737"/>
             <a:ext cx="6553200" cy="755809"/>
           </a:xfrm>
@@ -17595,8 +16615,8 @@
         </p:nvSpPr>
         <p:spPr>
           <a:xfrm>
-            <a:off x="152400" y="609600"/>
-            <a:ext cx="8077200" cy="6514604"/>
+            <a:off x="-76200" y="1524000"/>
+            <a:ext cx="8077200" cy="2862322"/>
           </a:xfrm>
           <a:prstGeom prst="rect">
             <a:avLst/>
@@ -17607,79 +16627,6 @@
             <a:spAutoFit/>
           </a:bodyPr>
           <a:lstStyle/>
-          <a:p>
-            <a:pPr lvl="0"/>
-            <a:r>
-              <a:rPr lang="en-US" sz="2000" b="1" dirty="0">
-                <a:solidFill>
-                  <a:srgbClr val="C00000"/>
-                </a:solidFill>
-              </a:rPr>
-              <a:t>1.     Login :</a:t>
-            </a:r>
-            <a:endParaRPr lang="en-US" sz="2000" dirty="0">
-              <a:solidFill>
-                <a:srgbClr val="C00000"/>
-              </a:solidFill>
-            </a:endParaRPr>
-          </a:p>
-          <a:p>
-            <a:pPr marL="1384300" lvl="1" indent="-285750">
-              <a:buFont typeface="Wingdings" pitchFamily="2" charset="2"/>
-              <a:buChar char="§"/>
-            </a:pPr>
-            <a:r>
-              <a:rPr lang="en-US" b="1" dirty="0"/>
-              <a:t>The system allows management members to login.</a:t>
-            </a:r>
-            <a:endParaRPr lang="en-US" dirty="0"/>
-          </a:p>
-          <a:p>
-            <a:pPr marL="1384300" lvl="1" indent="-285750">
-              <a:buFont typeface="Wingdings" pitchFamily="2" charset="2"/>
-              <a:buChar char="§"/>
-            </a:pPr>
-            <a:r>
-              <a:rPr lang="en-US" b="1" dirty="0"/>
-              <a:t>Reset password.</a:t>
-            </a:r>
-            <a:endParaRPr lang="en-US" sz="2000" b="1" dirty="0">
-              <a:solidFill>
-                <a:srgbClr val="C00000"/>
-              </a:solidFill>
-              <a:ea typeface="Times New Roman"/>
-            </a:endParaRPr>
-          </a:p>
-          <a:p>
-            <a:pPr lvl="0">
-              <a:lnSpc>
-                <a:spcPct val="150000"/>
-              </a:lnSpc>
-              <a:spcBef>
-                <a:spcPts val="500"/>
-              </a:spcBef>
-              <a:buClr>
-                <a:srgbClr val="C00000"/>
-              </a:buClr>
-            </a:pPr>
-            <a:r>
-              <a:rPr lang="en-US" sz="2000" b="1" dirty="0">
-                <a:solidFill>
-                  <a:srgbClr val="C00000"/>
-                </a:solidFill>
-                <a:ea typeface="Times New Roman"/>
-              </a:rPr>
-              <a:t>2.    </a:t>
-            </a:r>
-            <a:r>
-              <a:rPr lang="en-US" sz="2000" b="1" dirty="0">
-                <a:solidFill>
-                  <a:srgbClr val="C00000"/>
-                </a:solidFill>
-              </a:rPr>
-              <a:t>Take backup:</a:t>
-            </a:r>
-          </a:p>
           <a:p>
             <a:pPr marL="1385888" lvl="0" indent="-342900">
               <a:buFont typeface="Wingdings" pitchFamily="2" charset="2"/>
@@ -17697,41 +16644,10 @@
               </a:rPr>
               <a:t> backup for the system continuously.</a:t>
             </a:r>
-          </a:p>
-          <a:p>
-            <a:pPr marL="1385888" lvl="0" indent="-342900">
-              <a:buFont typeface="Wingdings" pitchFamily="2" charset="2"/>
-              <a:buChar char="§"/>
-            </a:pPr>
             <a:endParaRPr lang="en-US" sz="2000" b="1" dirty="0">
               <a:solidFill>
                 <a:prstClr val="black"/>
               </a:solidFill>
-            </a:endParaRPr>
-          </a:p>
-          <a:p>
-            <a:pPr lvl="0"/>
-            <a:r>
-              <a:rPr lang="en-US" sz="2000" b="1" dirty="0">
-                <a:solidFill>
-                  <a:srgbClr val="C00000"/>
-                </a:solidFill>
-              </a:rPr>
-              <a:t>3.    Update system information</a:t>
-            </a:r>
-            <a:r>
-              <a:rPr lang="en-US" sz="2000" dirty="0">
-                <a:solidFill>
-                  <a:srgbClr val="C00000"/>
-                </a:solidFill>
-              </a:rPr>
-              <a:t>:</a:t>
-            </a:r>
-            <a:endParaRPr lang="en-US" sz="2000" dirty="0">
-              <a:solidFill>
-                <a:srgbClr val="C00000"/>
-              </a:solidFill>
-              <a:effectLst/>
             </a:endParaRPr>
           </a:p>
           <a:p>
@@ -17753,26 +16669,9 @@
               <a:rPr lang="en-US" b="1" dirty="0"/>
               <a:t>Add or delete or modify or check user’s account’s information.</a:t>
             </a:r>
-          </a:p>
-          <a:p>
-            <a:pPr marL="1042988" lvl="0"/>
             <a:endParaRPr lang="en-US" sz="2000" dirty="0">
               <a:effectLst/>
             </a:endParaRPr>
-          </a:p>
-          <a:p>
-            <a:r>
-              <a:rPr lang="en-US" b="1" dirty="0"/>
-              <a:t> </a:t>
-            </a:r>
-            <a:r>
-              <a:rPr lang="en-US" sz="2000" b="1" dirty="0">
-                <a:solidFill>
-                  <a:srgbClr val="C00000"/>
-                </a:solidFill>
-              </a:rPr>
-              <a:t>4.   Complaints:</a:t>
-            </a:r>
           </a:p>
           <a:p>
             <a:pPr marL="1384300" lvl="1" indent="-285750">
@@ -17781,50 +16680,12 @@
             </a:pPr>
             <a:r>
               <a:rPr lang="en-US" b="1" dirty="0"/>
-              <a:t>Receiving Complaints through  mailbox for the management.</a:t>
+              <a:t>Provide Technical support for complaints and modification requests in the system from employees.</a:t>
             </a:r>
-          </a:p>
-          <a:p>
-            <a:pPr marL="1384300" lvl="1" indent="-285750">
-              <a:buFont typeface="Wingdings" pitchFamily="2" charset="2"/>
-              <a:buChar char="§"/>
-            </a:pPr>
-            <a:r>
-              <a:rPr lang="en-US" b="1" dirty="0"/>
-              <a:t>Provide Technical support for problems and modification requests in the system from employees.</a:t>
-            </a:r>
-          </a:p>
-          <a:p>
-            <a:pPr marL="1042988" lvl="0"/>
             <a:endParaRPr lang="en-US" sz="2000" dirty="0">
               <a:solidFill>
                 <a:prstClr val="black"/>
               </a:solidFill>
-            </a:endParaRPr>
-          </a:p>
-          <a:p>
-            <a:pPr lvl="0"/>
-            <a:r>
-              <a:rPr lang="en-US" sz="2000" b="1" dirty="0">
-                <a:solidFill>
-                  <a:srgbClr val="C00000"/>
-                </a:solidFill>
-              </a:rPr>
-              <a:t>5.    Add advertisements </a:t>
-            </a:r>
-            <a:r>
-              <a:rPr lang="en-US" sz="2000" dirty="0">
-                <a:solidFill>
-                  <a:srgbClr val="C00000"/>
-                </a:solidFill>
-              </a:rPr>
-              <a:t>:</a:t>
-            </a:r>
-            <a:endParaRPr lang="en-US" sz="2000" dirty="0">
-              <a:solidFill>
-                <a:srgbClr val="C00000"/>
-              </a:solidFill>
-              <a:effectLst/>
             </a:endParaRPr>
           </a:p>
           <a:p>
@@ -17834,7 +16695,7 @@
             </a:pPr>
             <a:r>
               <a:rPr lang="en-US" b="1" dirty="0"/>
-              <a:t>Control show or hide advertisements.</a:t>
+              <a:t>Control show or hide products advertisements.</a:t>
             </a:r>
           </a:p>
           <a:p>
@@ -17843,40 +16704,32 @@
               <a:buChar char="§"/>
             </a:pPr>
             <a:r>
-              <a:rPr lang="en-US" b="1" dirty="0"/>
-              <a:t>Add and delete product offers.</a:t>
+              <a:rPr lang="en-US" sz="1800" b="1" dirty="0"/>
+              <a:t>Control permissions of users(clients and sellers).</a:t>
             </a:r>
-            <a:endParaRPr lang="en-US" sz="2000" b="1" dirty="0"/>
-          </a:p>
-          <a:p>
-            <a:pPr marR="0" lvl="0" rtl="0">
-              <a:lnSpc>
-                <a:spcPct val="115000"/>
-              </a:lnSpc>
-              <a:spcBef>
-                <a:spcPts val="500"/>
-              </a:spcBef>
-              <a:spcAft>
-                <a:spcPts val="0"/>
-              </a:spcAft>
-            </a:pPr>
-            <a:r>
-              <a:rPr lang="en-US" sz="2000" b="1" dirty="0">
-                <a:solidFill>
-                  <a:srgbClr val="C00000"/>
-                </a:solidFill>
-              </a:rPr>
-              <a:t>6.    Control account:</a:t>
-            </a:r>
-          </a:p>
-          <a:p>
-            <a:pPr marL="1385888" indent="-342900">
+            <a:endParaRPr lang="en-US" sz="1800" b="1" dirty="0">
+              <a:solidFill>
+                <a:srgbClr val="C00000"/>
+              </a:solidFill>
+              <a:ea typeface="Times New Roman"/>
+            </a:endParaRPr>
+          </a:p>
+          <a:p>
+            <a:pPr marL="1385888" lvl="0" indent="-342900">
               <a:buFont typeface="Wingdings" pitchFamily="2" charset="2"/>
               <a:buChar char="§"/>
             </a:pPr>
             <a:r>
-              <a:rPr lang="en-US" b="1" dirty="0"/>
-              <a:t>Update account information (ex. address).</a:t>
+              <a:rPr lang="en-US" sz="1800" b="1" dirty="0"/>
+              <a:t>Control and manage payments and</a:t>
+            </a:r>
+            <a:r>
+              <a:rPr lang="ar-EG" sz="1800" b="1" dirty="0"/>
+              <a:t> </a:t>
+            </a:r>
+            <a:r>
+              <a:rPr lang="en-US" sz="1800" b="1" dirty="0"/>
+              <a:t> fulfillment of purchase conditions.</a:t>
             </a:r>
             <a:endParaRPr lang="en-US" b="1" dirty="0">
               <a:effectLst/>
@@ -17904,613 +16757,6 @@
 </file>
 
 <file path=ppt/slides/slide6.xml><?xml version="1.0" encoding="utf-8"?>
-<p:sld xmlns:a="http://schemas.openxmlformats.org/drawingml/2006/main" xmlns:r="http://schemas.openxmlformats.org/officeDocument/2006/relationships" xmlns:p="http://schemas.openxmlformats.org/presentationml/2006/main">
-  <p:cSld>
-    <p:spTree>
-      <p:nvGrpSpPr>
-        <p:cNvPr id="1" name=""/>
-        <p:cNvGrpSpPr/>
-        <p:nvPr/>
-      </p:nvGrpSpPr>
-      <p:grpSpPr>
-        <a:xfrm>
-          <a:off x="0" y="0"/>
-          <a:ext cx="0" cy="0"/>
-          <a:chOff x="0" y="0"/>
-          <a:chExt cx="0" cy="0"/>
-        </a:xfrm>
-      </p:grpSpPr>
-      <p:sp>
-        <p:nvSpPr>
-          <p:cNvPr id="7" name="Rectangle 6"/>
-          <p:cNvSpPr/>
-          <p:nvPr/>
-        </p:nvSpPr>
-        <p:spPr>
-          <a:xfrm>
-            <a:off x="304800" y="0"/>
-            <a:ext cx="8077200" cy="6894195"/>
-          </a:xfrm>
-          <a:prstGeom prst="rect">
-            <a:avLst/>
-          </a:prstGeom>
-        </p:spPr>
-        <p:txBody>
-          <a:bodyPr wrap="square">
-            <a:spAutoFit/>
-          </a:bodyPr>
-          <a:lstStyle/>
-          <a:p>
-            <a:pPr>
-              <a:lnSpc>
-                <a:spcPct val="150000"/>
-              </a:lnSpc>
-              <a:spcBef>
-                <a:spcPts val="500"/>
-              </a:spcBef>
-              <a:buClr>
-                <a:srgbClr val="C00000"/>
-              </a:buClr>
-            </a:pPr>
-            <a:r>
-              <a:rPr lang="en-US" sz="2000" b="1" dirty="0">
-                <a:solidFill>
-                  <a:srgbClr val="C00000"/>
-                </a:solidFill>
-              </a:rPr>
-              <a:t>7.    Control:</a:t>
-            </a:r>
-          </a:p>
-          <a:p>
-            <a:pPr marL="1385888" lvl="0" indent="-342900">
-              <a:buFont typeface="Wingdings" pitchFamily="2" charset="2"/>
-              <a:buChar char="§"/>
-            </a:pPr>
-            <a:r>
-              <a:rPr lang="en-US" sz="2000" b="1" dirty="0"/>
-              <a:t>Control permissions of users(clients and sellers).</a:t>
-            </a:r>
-          </a:p>
-          <a:p>
-            <a:pPr marL="1385888" lvl="0" indent="-342900">
-              <a:buFont typeface="Wingdings" pitchFamily="2" charset="2"/>
-              <a:buChar char="§"/>
-            </a:pPr>
-            <a:endParaRPr lang="en-US" sz="2000" b="1" dirty="0">
-              <a:solidFill>
-                <a:srgbClr val="C00000"/>
-              </a:solidFill>
-              <a:ea typeface="Times New Roman"/>
-            </a:endParaRPr>
-          </a:p>
-          <a:p>
-            <a:pPr marL="1385888" lvl="0" indent="-342900">
-              <a:buFont typeface="Wingdings" pitchFamily="2" charset="2"/>
-              <a:buChar char="§"/>
-            </a:pPr>
-            <a:r>
-              <a:rPr lang="en-US" sz="2000" b="1" dirty="0"/>
-              <a:t>Control and manage payments and</a:t>
-            </a:r>
-            <a:r>
-              <a:rPr lang="ar-EG" sz="2000" b="1" dirty="0"/>
-              <a:t> </a:t>
-            </a:r>
-            <a:r>
-              <a:rPr lang="en-US" sz="2000" b="1" dirty="0"/>
-              <a:t> fulfillment of purchase conditions.</a:t>
-            </a:r>
-          </a:p>
-          <a:p>
-            <a:pPr marL="1385888" lvl="0" indent="-342900">
-              <a:buFont typeface="Wingdings" pitchFamily="2" charset="2"/>
-              <a:buChar char="§"/>
-            </a:pPr>
-            <a:endParaRPr lang="en-US" sz="2000" b="1" dirty="0"/>
-          </a:p>
-          <a:p>
-            <a:pPr marL="1385888" indent="-342900">
-              <a:buFont typeface="Wingdings" pitchFamily="2" charset="2"/>
-              <a:buChar char="§"/>
-            </a:pPr>
-            <a:r>
-              <a:rPr lang="en-US" sz="2000" b="1" dirty="0"/>
-              <a:t> Control elements and categories:</a:t>
-            </a:r>
-          </a:p>
-          <a:p>
-            <a:pPr marL="1785938" lvl="1" indent="-285750">
-              <a:buClr>
-                <a:srgbClr val="FFC000"/>
-              </a:buClr>
-              <a:buFont typeface="Wingdings" panose="05000000000000000000" pitchFamily="2" charset="2"/>
-              <a:buChar char="v"/>
-            </a:pPr>
-            <a:r>
-              <a:rPr lang="en-US" b="1" dirty="0">
-                <a:solidFill>
-                  <a:prstClr val="black"/>
-                </a:solidFill>
-              </a:rPr>
-              <a:t>Admin responsible for managing elements of the page.</a:t>
-            </a:r>
-            <a:endParaRPr lang="ar-EG" b="1" dirty="0">
-              <a:solidFill>
-                <a:prstClr val="black"/>
-              </a:solidFill>
-            </a:endParaRPr>
-          </a:p>
-          <a:p>
-            <a:pPr marL="1500188" lvl="1"/>
-            <a:r>
-              <a:rPr lang="en-US" b="1" dirty="0">
-                <a:solidFill>
-                  <a:prstClr val="black"/>
-                </a:solidFill>
-              </a:rPr>
-              <a:t>        Ex.</a:t>
-            </a:r>
-          </a:p>
-          <a:p>
-            <a:pPr marL="2243138" lvl="2" indent="-285750">
-              <a:buFont typeface="Wingdings" panose="05000000000000000000" pitchFamily="2" charset="2"/>
-              <a:buChar char="ü"/>
-            </a:pPr>
-            <a:r>
-              <a:rPr lang="en-US" sz="1600" b="1" dirty="0">
-                <a:solidFill>
-                  <a:prstClr val="black"/>
-                </a:solidFill>
-              </a:rPr>
-              <a:t>    </a:t>
-            </a:r>
-            <a:r>
-              <a:rPr lang="ar-EG" sz="1600" b="1" dirty="0">
-                <a:solidFill>
-                  <a:prstClr val="black"/>
-                </a:solidFill>
-              </a:rPr>
-              <a:t> </a:t>
-            </a:r>
-            <a:r>
-              <a:rPr lang="en-US" sz="1600" b="1" dirty="0">
-                <a:solidFill>
-                  <a:prstClr val="black"/>
-                </a:solidFill>
-              </a:rPr>
-              <a:t> Navbar</a:t>
-            </a:r>
-          </a:p>
-          <a:p>
-            <a:pPr marL="3157538" lvl="4" indent="-285750">
-              <a:buFont typeface="Wingdings" panose="05000000000000000000" pitchFamily="2" charset="2"/>
-              <a:buChar char="q"/>
-            </a:pPr>
-            <a:r>
-              <a:rPr lang="en-US" sz="1600" b="1" dirty="0">
-                <a:solidFill>
-                  <a:prstClr val="black"/>
-                </a:solidFill>
-              </a:rPr>
-              <a:t>  Account</a:t>
-            </a:r>
-          </a:p>
-          <a:p>
-            <a:pPr marL="3157538" lvl="4" indent="-285750">
-              <a:buFont typeface="Wingdings" panose="05000000000000000000" pitchFamily="2" charset="2"/>
-              <a:buChar char="q"/>
-            </a:pPr>
-            <a:r>
-              <a:rPr lang="en-US" sz="1600" b="1" dirty="0">
-                <a:solidFill>
-                  <a:prstClr val="black"/>
-                </a:solidFill>
-              </a:rPr>
-              <a:t>  Cart</a:t>
-            </a:r>
-          </a:p>
-          <a:p>
-            <a:pPr marL="3157538" lvl="4" indent="-285750">
-              <a:buFont typeface="Wingdings" panose="05000000000000000000" pitchFamily="2" charset="2"/>
-              <a:buChar char="q"/>
-            </a:pPr>
-            <a:r>
-              <a:rPr lang="en-US" sz="1600" b="1" dirty="0">
-                <a:solidFill>
-                  <a:prstClr val="black"/>
-                </a:solidFill>
-              </a:rPr>
-              <a:t>  Search      </a:t>
-            </a:r>
-          </a:p>
-          <a:p>
-            <a:pPr marL="3157538" lvl="4" indent="-285750">
-              <a:buFont typeface="Wingdings" panose="05000000000000000000" pitchFamily="2" charset="2"/>
-              <a:buChar char="q"/>
-            </a:pPr>
-            <a:r>
-              <a:rPr lang="ar-EG" sz="1600" b="1" dirty="0">
-                <a:solidFill>
-                  <a:prstClr val="black"/>
-                </a:solidFill>
-              </a:rPr>
-              <a:t> </a:t>
-            </a:r>
-            <a:r>
-              <a:rPr lang="en-US" sz="1600" b="1" dirty="0">
-                <a:solidFill>
-                  <a:prstClr val="black"/>
-                </a:solidFill>
-              </a:rPr>
-              <a:t> Sell your product</a:t>
-            </a:r>
-          </a:p>
-          <a:p>
-            <a:pPr marL="3157538" lvl="4" indent="-285750">
-              <a:buFont typeface="Wingdings" panose="05000000000000000000" pitchFamily="2" charset="2"/>
-              <a:buChar char="q"/>
-            </a:pPr>
-            <a:r>
-              <a:rPr lang="en-US" sz="1600" b="1" dirty="0">
-                <a:solidFill>
-                  <a:prstClr val="black"/>
-                </a:solidFill>
-              </a:rPr>
-              <a:t>  Help &amp; settings                </a:t>
-            </a:r>
-          </a:p>
-          <a:p>
-            <a:pPr marL="2243138" lvl="2" indent="-285750">
-              <a:buFont typeface="Wingdings" panose="05000000000000000000" pitchFamily="2" charset="2"/>
-              <a:buChar char="ü"/>
-            </a:pPr>
-            <a:r>
-              <a:rPr lang="ar-EG" sz="1600" b="1" dirty="0">
-                <a:solidFill>
-                  <a:prstClr val="black"/>
-                </a:solidFill>
-              </a:rPr>
-              <a:t>      </a:t>
-            </a:r>
-            <a:r>
-              <a:rPr lang="en-US" sz="1600" b="1" dirty="0">
-                <a:solidFill>
-                  <a:prstClr val="black"/>
-                </a:solidFill>
-              </a:rPr>
-              <a:t>Product Categories</a:t>
-            </a:r>
-            <a:endParaRPr lang="ar-EG" sz="1600" b="1" dirty="0">
-              <a:solidFill>
-                <a:prstClr val="black"/>
-              </a:solidFill>
-            </a:endParaRPr>
-          </a:p>
-          <a:p>
-            <a:pPr marL="2243138" lvl="2" indent="-285750">
-              <a:buFont typeface="Wingdings" panose="05000000000000000000" pitchFamily="2" charset="2"/>
-              <a:buChar char="ü"/>
-            </a:pPr>
-            <a:r>
-              <a:rPr lang="en-US" sz="1600" b="1" dirty="0">
-                <a:solidFill>
-                  <a:prstClr val="black"/>
-                </a:solidFill>
-              </a:rPr>
-              <a:t>      Offers</a:t>
-            </a:r>
-          </a:p>
-          <a:p>
-            <a:pPr marL="2243138" lvl="2" indent="-285750">
-              <a:buFont typeface="Wingdings" panose="05000000000000000000" pitchFamily="2" charset="2"/>
-              <a:buChar char="ü"/>
-            </a:pPr>
-            <a:r>
-              <a:rPr lang="en-US" sz="1600" b="1" dirty="0">
-                <a:solidFill>
-                  <a:prstClr val="black"/>
-                </a:solidFill>
-              </a:rPr>
-              <a:t>      Gallery filter</a:t>
-            </a:r>
-          </a:p>
-          <a:p>
-            <a:pPr marL="2243138" lvl="2" indent="-285750">
-              <a:buFont typeface="Wingdings" panose="05000000000000000000" pitchFamily="2" charset="2"/>
-              <a:buChar char="ü"/>
-            </a:pPr>
-            <a:r>
-              <a:rPr lang="en-US" sz="1600" b="1" dirty="0">
-                <a:solidFill>
-                  <a:prstClr val="black"/>
-                </a:solidFill>
-              </a:rPr>
-              <a:t>      Seller rating</a:t>
-            </a:r>
-            <a:endParaRPr lang="ar-EG" sz="1600" b="1" dirty="0">
-              <a:solidFill>
-                <a:prstClr val="black"/>
-              </a:solidFill>
-            </a:endParaRPr>
-          </a:p>
-          <a:p>
-            <a:pPr marL="2243138" lvl="2" indent="-285750">
-              <a:buFont typeface="Wingdings" panose="05000000000000000000" pitchFamily="2" charset="2"/>
-              <a:buChar char="ü"/>
-            </a:pPr>
-            <a:r>
-              <a:rPr lang="ar-EG" sz="1600" b="1" dirty="0">
-                <a:solidFill>
-                  <a:prstClr val="black"/>
-                </a:solidFill>
-              </a:rPr>
-              <a:t>    </a:t>
-            </a:r>
-            <a:r>
-              <a:rPr lang="en-US" sz="1600" b="1" dirty="0">
-                <a:solidFill>
-                  <a:prstClr val="black"/>
-                </a:solidFill>
-              </a:rPr>
-              <a:t>  Product rating</a:t>
-            </a:r>
-          </a:p>
-          <a:p>
-            <a:pPr marL="2243138" lvl="2" indent="-285750">
-              <a:buFont typeface="Wingdings" panose="05000000000000000000" pitchFamily="2" charset="2"/>
-              <a:buChar char="ü"/>
-            </a:pPr>
-            <a:r>
-              <a:rPr lang="en-US" sz="1600" b="1" dirty="0">
-                <a:solidFill>
-                  <a:prstClr val="black"/>
-                </a:solidFill>
-              </a:rPr>
-              <a:t>      You may like </a:t>
-            </a:r>
-          </a:p>
-          <a:p>
-            <a:pPr marL="2243138" lvl="2" indent="-285750">
-              <a:buFont typeface="Wingdings" panose="05000000000000000000" pitchFamily="2" charset="2"/>
-              <a:buChar char="ü"/>
-            </a:pPr>
-            <a:r>
-              <a:rPr lang="en-US" sz="1600" b="1" dirty="0">
-                <a:solidFill>
-                  <a:prstClr val="black"/>
-                </a:solidFill>
-              </a:rPr>
-              <a:t>      Add to card</a:t>
-            </a:r>
-          </a:p>
-          <a:p>
-            <a:pPr marL="2243138" lvl="2" indent="-285750">
-              <a:buFont typeface="Wingdings" panose="05000000000000000000" pitchFamily="2" charset="2"/>
-              <a:buChar char="ü"/>
-            </a:pPr>
-            <a:r>
-              <a:rPr lang="en-US" sz="1600" b="1" dirty="0">
-                <a:solidFill>
-                  <a:prstClr val="black"/>
-                </a:solidFill>
-              </a:rPr>
-              <a:t>      Buy &amp; Deliver</a:t>
-            </a:r>
-          </a:p>
-          <a:p>
-            <a:pPr marL="2243138" lvl="2" indent="-285750">
-              <a:buFont typeface="Wingdings" panose="05000000000000000000" pitchFamily="2" charset="2"/>
-              <a:buChar char="ü"/>
-            </a:pPr>
-            <a:r>
-              <a:rPr lang="en-US" sz="1600" b="1" dirty="0">
-                <a:solidFill>
-                  <a:prstClr val="black"/>
-                </a:solidFill>
-              </a:rPr>
-              <a:t>      Contact &amp; Return</a:t>
-            </a:r>
-          </a:p>
-          <a:p>
-            <a:pPr marL="2243138" lvl="2" indent="-285750">
-              <a:buFont typeface="Wingdings" panose="05000000000000000000" pitchFamily="2" charset="2"/>
-              <a:buChar char="ü"/>
-            </a:pPr>
-            <a:r>
-              <a:rPr lang="en-US" sz="1600" b="1" dirty="0">
-                <a:solidFill>
-                  <a:prstClr val="black"/>
-                </a:solidFill>
-              </a:rPr>
-              <a:t>      About us</a:t>
-            </a:r>
-          </a:p>
-        </p:txBody>
-      </p:sp>
-    </p:spTree>
-    <p:extLst>
-      <p:ext uri="{BB962C8B-B14F-4D97-AF65-F5344CB8AC3E}">
-        <p14:creationId xmlns:p14="http://schemas.microsoft.com/office/powerpoint/2010/main" val="2735950945"/>
-      </p:ext>
-    </p:extLst>
-  </p:cSld>
-  <p:clrMapOvr>
-    <a:masterClrMapping/>
-  </p:clrMapOvr>
-</p:sld>
-</file>
-
-<file path=ppt/slides/slide7.xml><?xml version="1.0" encoding="utf-8"?>
-<p:sld xmlns:a="http://schemas.openxmlformats.org/drawingml/2006/main" xmlns:r="http://schemas.openxmlformats.org/officeDocument/2006/relationships" xmlns:p="http://schemas.openxmlformats.org/presentationml/2006/main">
-  <p:cSld>
-    <p:spTree>
-      <p:nvGrpSpPr>
-        <p:cNvPr id="1" name=""/>
-        <p:cNvGrpSpPr/>
-        <p:nvPr/>
-      </p:nvGrpSpPr>
-      <p:grpSpPr>
-        <a:xfrm>
-          <a:off x="0" y="0"/>
-          <a:ext cx="0" cy="0"/>
-          <a:chOff x="0" y="0"/>
-          <a:chExt cx="0" cy="0"/>
-        </a:xfrm>
-      </p:grpSpPr>
-      <p:sp>
-        <p:nvSpPr>
-          <p:cNvPr id="5" name="TextBox 4">
-            <a:extLst>
-              <a:ext uri="{FF2B5EF4-FFF2-40B4-BE49-F238E27FC236}">
-                <a16:creationId xmlns:a16="http://schemas.microsoft.com/office/drawing/2014/main" id="{899FDB5A-5AC6-EB95-32A8-54A3A23A0E92}"/>
-              </a:ext>
-            </a:extLst>
-          </p:cNvPr>
-          <p:cNvSpPr txBox="1"/>
-          <p:nvPr/>
-        </p:nvSpPr>
-        <p:spPr>
-          <a:xfrm>
-            <a:off x="609600" y="838200"/>
-            <a:ext cx="7696200" cy="2369880"/>
-          </a:xfrm>
-          <a:prstGeom prst="rect">
-            <a:avLst/>
-          </a:prstGeom>
-          <a:noFill/>
-        </p:spPr>
-        <p:txBody>
-          <a:bodyPr wrap="square">
-            <a:spAutoFit/>
-          </a:bodyPr>
-          <a:lstStyle/>
-          <a:p>
-            <a:pPr lvl="0"/>
-            <a:r>
-              <a:rPr lang="en-US" sz="2000" b="1" dirty="0">
-                <a:solidFill>
-                  <a:srgbClr val="C00000"/>
-                </a:solidFill>
-              </a:rPr>
-              <a:t>8.   Contact: </a:t>
-            </a:r>
-            <a:endParaRPr lang="en-US" sz="2000" dirty="0">
-              <a:solidFill>
-                <a:srgbClr val="C00000"/>
-              </a:solidFill>
-            </a:endParaRPr>
-          </a:p>
-          <a:p>
-            <a:pPr marL="1384300" lvl="1" indent="-285750">
-              <a:buFont typeface="Wingdings" pitchFamily="2" charset="2"/>
-              <a:buChar char="§"/>
-            </a:pPr>
-            <a:r>
-              <a:rPr lang="en-US" b="1" dirty="0"/>
-              <a:t>Click</a:t>
-            </a:r>
-            <a:r>
-              <a:rPr lang="en-US" dirty="0"/>
-              <a:t> </a:t>
-            </a:r>
-            <a:r>
-              <a:rPr lang="en-US" b="1" dirty="0">
-                <a:solidFill>
-                  <a:prstClr val="black"/>
-                </a:solidFill>
-              </a:rPr>
-              <a:t>Contact to message seller who want to add advertisements and offers.</a:t>
-            </a:r>
-          </a:p>
-          <a:p>
-            <a:pPr marL="1384300" lvl="1" indent="-285750">
-              <a:buFont typeface="Wingdings" pitchFamily="2" charset="2"/>
-              <a:buChar char="§"/>
-            </a:pPr>
-            <a:endParaRPr lang="en-US" b="1" dirty="0">
-              <a:solidFill>
-                <a:prstClr val="black"/>
-              </a:solidFill>
-            </a:endParaRPr>
-          </a:p>
-          <a:p>
-            <a:pPr lvl="0"/>
-            <a:r>
-              <a:rPr lang="en-US" sz="2000" b="1" dirty="0">
-                <a:solidFill>
-                  <a:srgbClr val="C00000"/>
-                </a:solidFill>
-              </a:rPr>
-              <a:t>9.    Provide Technical</a:t>
-            </a:r>
-            <a:r>
-              <a:rPr lang="en-US" sz="2000" dirty="0">
-                <a:solidFill>
-                  <a:srgbClr val="C00000"/>
-                </a:solidFill>
-              </a:rPr>
-              <a:t> </a:t>
-            </a:r>
-            <a:r>
-              <a:rPr lang="en-US" sz="2000" b="1" dirty="0">
-                <a:solidFill>
-                  <a:srgbClr val="C00000"/>
-                </a:solidFill>
-              </a:rPr>
-              <a:t>support</a:t>
-            </a:r>
-            <a:r>
-              <a:rPr lang="en-US" sz="2000" dirty="0">
-                <a:solidFill>
-                  <a:srgbClr val="C00000"/>
-                </a:solidFill>
-              </a:rPr>
-              <a:t>:</a:t>
-            </a:r>
-            <a:endParaRPr lang="en-US" sz="2000" dirty="0">
-              <a:solidFill>
-                <a:srgbClr val="C00000"/>
-              </a:solidFill>
-              <a:effectLst/>
-            </a:endParaRPr>
-          </a:p>
-          <a:p>
-            <a:pPr marL="1385888" lvl="0" indent="-342900">
-              <a:buFont typeface="Wingdings" pitchFamily="2" charset="2"/>
-              <a:buChar char="§"/>
-            </a:pPr>
-            <a:r>
-              <a:rPr lang="en-US" b="1" dirty="0"/>
-              <a:t>Show messages of problems and modification requests in the system from employees.</a:t>
-            </a:r>
-          </a:p>
-          <a:p>
-            <a:pPr marL="1384300" lvl="1" indent="-285750">
-              <a:buFont typeface="Wingdings" pitchFamily="2" charset="2"/>
-              <a:buChar char="§"/>
-            </a:pPr>
-            <a:endParaRPr lang="en-US" b="1" dirty="0">
-              <a:solidFill>
-                <a:prstClr val="black"/>
-              </a:solidFill>
-            </a:endParaRPr>
-          </a:p>
-        </p:txBody>
-      </p:sp>
-    </p:spTree>
-    <p:extLst>
-      <p:ext uri="{BB962C8B-B14F-4D97-AF65-F5344CB8AC3E}">
-        <p14:creationId xmlns:p14="http://schemas.microsoft.com/office/powerpoint/2010/main" val="3787227092"/>
-      </p:ext>
-    </p:extLst>
-  </p:cSld>
-  <p:clrMapOvr>
-    <a:masterClrMapping/>
-  </p:clrMapOvr>
-</p:sld>
-</file>
-
-<file path=ppt/slides/slide8.xml><?xml version="1.0" encoding="utf-8"?>
 <p:sld xmlns:a="http://schemas.openxmlformats.org/drawingml/2006/main" xmlns:r="http://schemas.openxmlformats.org/officeDocument/2006/relationships" xmlns:p="http://schemas.openxmlformats.org/presentationml/2006/main">
   <p:cSld>
     <p:spTree>
@@ -18582,8 +16828,8 @@
         </p:nvSpPr>
         <p:spPr>
           <a:xfrm>
-            <a:off x="533400" y="1150977"/>
-            <a:ext cx="8077200" cy="5755422"/>
+            <a:off x="152400" y="1371600"/>
+            <a:ext cx="8077200" cy="4524315"/>
           </a:xfrm>
           <a:prstGeom prst="rect">
             <a:avLst/>
@@ -18595,115 +16841,14 @@
           </a:bodyPr>
           <a:lstStyle/>
           <a:p>
-            <a:pPr lvl="0"/>
-            <a:r>
-              <a:rPr lang="en-US" sz="2000" b="1" dirty="0">
-                <a:solidFill>
-                  <a:srgbClr val="C00000"/>
-                </a:solidFill>
-              </a:rPr>
-              <a:t>1.     Sign up &amp; Login :</a:t>
-            </a:r>
-            <a:endParaRPr lang="en-US" sz="2000" dirty="0">
-              <a:solidFill>
-                <a:srgbClr val="C00000"/>
-              </a:solidFill>
-            </a:endParaRPr>
-          </a:p>
-          <a:p>
-            <a:pPr marL="1384300" lvl="1" indent="-285750">
-              <a:buFont typeface="Wingdings" pitchFamily="2" charset="2"/>
-              <a:buChar char="§"/>
-            </a:pPr>
-            <a:r>
-              <a:rPr lang="en-US" b="1" dirty="0"/>
-              <a:t>The system allows all employees to sign up and login.</a:t>
-            </a:r>
-            <a:endParaRPr lang="en-US" dirty="0"/>
-          </a:p>
-          <a:p>
-            <a:pPr marL="1384300" lvl="1" indent="-285750">
-              <a:buFont typeface="Wingdings" pitchFamily="2" charset="2"/>
-              <a:buChar char="§"/>
-            </a:pPr>
-            <a:r>
-              <a:rPr lang="en-US" b="1" dirty="0"/>
-              <a:t>Reset password.</a:t>
-            </a:r>
-          </a:p>
-          <a:p>
-            <a:pPr marL="1098550" lvl="1"/>
-            <a:endParaRPr lang="en-US" dirty="0"/>
-          </a:p>
-          <a:p>
-            <a:pPr lvl="0"/>
-            <a:r>
-              <a:rPr lang="en-US" sz="2000" b="1" dirty="0">
-                <a:solidFill>
-                  <a:srgbClr val="C00000"/>
-                </a:solidFill>
-              </a:rPr>
-              <a:t>2.     Control account:</a:t>
-            </a:r>
-            <a:endParaRPr lang="en-US" sz="2000" dirty="0">
-              <a:solidFill>
-                <a:srgbClr val="C00000"/>
-              </a:solidFill>
-            </a:endParaRPr>
-          </a:p>
-          <a:p>
             <a:pPr marL="1376363" lvl="2" indent="-285750">
               <a:buFont typeface="Wingdings" pitchFamily="2" charset="2"/>
               <a:buChar char="§"/>
             </a:pPr>
             <a:r>
               <a:rPr lang="en-US" b="1" dirty="0"/>
-              <a:t>Choose payment method.</a:t>
+              <a:t>Search products.</a:t>
             </a:r>
-          </a:p>
-          <a:p>
-            <a:pPr marL="1376363" lvl="2" indent="-285750">
-              <a:buFont typeface="Wingdings" pitchFamily="2" charset="2"/>
-              <a:buChar char="§"/>
-            </a:pPr>
-            <a:r>
-              <a:rPr lang="en-US" b="1" dirty="0"/>
-              <a:t>Update account information (ex. address).</a:t>
-            </a:r>
-          </a:p>
-          <a:p>
-            <a:pPr marL="1376363" lvl="2" indent="-285750">
-              <a:buFont typeface="Wingdings" pitchFamily="2" charset="2"/>
-              <a:buChar char="§"/>
-            </a:pPr>
-            <a:endParaRPr lang="en-US" dirty="0"/>
-          </a:p>
-          <a:p>
-            <a:pPr lvl="0"/>
-            <a:r>
-              <a:rPr lang="en-US" sz="2000" b="1" dirty="0">
-                <a:solidFill>
-                  <a:srgbClr val="C00000"/>
-                </a:solidFill>
-              </a:rPr>
-              <a:t>3.    Search product:</a:t>
-            </a:r>
-            <a:endParaRPr lang="en-US" sz="2000" dirty="0">
-              <a:solidFill>
-                <a:srgbClr val="C00000"/>
-              </a:solidFill>
-            </a:endParaRPr>
-          </a:p>
-          <a:p>
-            <a:pPr marL="1384300" lvl="1" indent="-285750">
-              <a:buFont typeface="Wingdings" pitchFamily="2" charset="2"/>
-              <a:buChar char="§"/>
-            </a:pPr>
-            <a:r>
-              <a:rPr lang="en-US" b="1" dirty="0"/>
-              <a:t>Enter product information in search icon.</a:t>
-            </a:r>
-            <a:endParaRPr lang="en-US" dirty="0"/>
           </a:p>
           <a:p>
             <a:pPr marL="1384300" lvl="1" indent="-285750">
@@ -18736,27 +16881,15 @@
             </a:r>
           </a:p>
           <a:p>
-            <a:pPr marL="1376363" lvl="2" indent="-285750">
+            <a:pPr marL="1384300" lvl="1" indent="-285750">
               <a:buFont typeface="Wingdings" pitchFamily="2" charset="2"/>
               <a:buChar char="§"/>
             </a:pPr>
+            <a:r>
+              <a:rPr lang="en-US" b="1" dirty="0"/>
+              <a:t>Choose payment method.</a:t>
+            </a:r>
             <a:endParaRPr lang="en-US" dirty="0"/>
-          </a:p>
-          <a:p>
-            <a:pPr lvl="0"/>
-            <a:r>
-              <a:rPr lang="en-US" sz="2000" b="1" dirty="0">
-                <a:solidFill>
-                  <a:srgbClr val="C00000"/>
-                </a:solidFill>
-              </a:rPr>
-              <a:t>4.    buying product: </a:t>
-            </a:r>
-            <a:endParaRPr lang="en-US" sz="2000" dirty="0">
-              <a:solidFill>
-                <a:srgbClr val="C00000"/>
-              </a:solidFill>
-            </a:endParaRPr>
           </a:p>
           <a:p>
             <a:pPr marL="1384300" lvl="1" indent="-285750">
@@ -18806,12 +16939,311 @@
               <a:t>Click Buy to  purchase  and deliver it.</a:t>
             </a:r>
           </a:p>
+          <a:p>
+            <a:pPr marL="1384300" lvl="1" indent="-285750">
+              <a:buFont typeface="Wingdings" pitchFamily="2" charset="2"/>
+              <a:buChar char="§"/>
+            </a:pPr>
+            <a:r>
+              <a:rPr lang="en-US" b="1" dirty="0"/>
+              <a:t>Click number of stars of product rating.</a:t>
+            </a:r>
+          </a:p>
+          <a:p>
+            <a:pPr marL="1384300" lvl="1" indent="-285750">
+              <a:buFont typeface="Wingdings" pitchFamily="2" charset="2"/>
+              <a:buChar char="§"/>
+            </a:pPr>
+            <a:r>
+              <a:rPr lang="en-US" b="1" dirty="0"/>
+              <a:t>Add review comment about product.</a:t>
+            </a:r>
+          </a:p>
+          <a:p>
+            <a:pPr marL="1384300" lvl="1" indent="-285750">
+              <a:buFont typeface="Wingdings" pitchFamily="2" charset="2"/>
+              <a:buChar char="§"/>
+            </a:pPr>
+            <a:r>
+              <a:rPr lang="en-US" b="1" dirty="0"/>
+              <a:t>Send complaints to </a:t>
+            </a:r>
+            <a:r>
+              <a:rPr lang="en-US" b="1" dirty="0">
+                <a:solidFill>
+                  <a:prstClr val="black"/>
+                </a:solidFill>
+              </a:rPr>
+              <a:t>return product if it’s wrong product or it’s not in good condition.</a:t>
+            </a:r>
+            <a:endParaRPr lang="en-US" b="1" dirty="0"/>
+          </a:p>
+          <a:p>
+            <a:pPr marL="1384300" lvl="1" indent="-285750">
+              <a:buFont typeface="Wingdings" pitchFamily="2" charset="2"/>
+              <a:buChar char="§"/>
+            </a:pPr>
+            <a:r>
+              <a:rPr lang="en-US" b="1" dirty="0"/>
+              <a:t>Sending Complaints through  mailbox for the management.</a:t>
+            </a:r>
+          </a:p>
+          <a:p>
+            <a:pPr marL="1384300" lvl="1" indent="-285750">
+              <a:buFont typeface="Wingdings" pitchFamily="2" charset="2"/>
+              <a:buChar char="§"/>
+            </a:pPr>
+            <a:endParaRPr lang="en-US" b="1" dirty="0"/>
+          </a:p>
         </p:txBody>
       </p:sp>
     </p:spTree>
     <p:extLst>
       <p:ext uri="{BB962C8B-B14F-4D97-AF65-F5344CB8AC3E}">
         <p14:creationId xmlns:p14="http://schemas.microsoft.com/office/powerpoint/2010/main" val="2938392131"/>
+      </p:ext>
+    </p:extLst>
+  </p:cSld>
+  <p:clrMapOvr>
+    <a:masterClrMapping/>
+  </p:clrMapOvr>
+</p:sld>
+</file>
+
+<file path=ppt/slides/slide7.xml><?xml version="1.0" encoding="utf-8"?>
+<p:sld xmlns:a="http://schemas.openxmlformats.org/drawingml/2006/main" xmlns:r="http://schemas.openxmlformats.org/officeDocument/2006/relationships" xmlns:p="http://schemas.openxmlformats.org/presentationml/2006/main">
+  <p:cSld>
+    <p:spTree>
+      <p:nvGrpSpPr>
+        <p:cNvPr id="1" name=""/>
+        <p:cNvGrpSpPr/>
+        <p:nvPr/>
+      </p:nvGrpSpPr>
+      <p:grpSpPr>
+        <a:xfrm>
+          <a:off x="0" y="0"/>
+          <a:ext cx="0" cy="0"/>
+          <a:chOff x="0" y="0"/>
+          <a:chExt cx="0" cy="0"/>
+        </a:xfrm>
+      </p:grpSpPr>
+      <p:sp>
+        <p:nvSpPr>
+          <p:cNvPr id="4" name="Down Ribbon 3"/>
+          <p:cNvSpPr/>
+          <p:nvPr/>
+        </p:nvSpPr>
+        <p:spPr>
+          <a:xfrm>
+            <a:off x="1447800" y="152400"/>
+            <a:ext cx="6553200" cy="914400"/>
+          </a:xfrm>
+          <a:prstGeom prst="ribbon">
+            <a:avLst/>
+          </a:prstGeom>
+        </p:spPr>
+        <p:style>
+          <a:lnRef idx="1">
+            <a:schemeClr val="accent1"/>
+          </a:lnRef>
+          <a:fillRef idx="2">
+            <a:schemeClr val="accent1"/>
+          </a:fillRef>
+          <a:effectRef idx="1">
+            <a:schemeClr val="accent1"/>
+          </a:effectRef>
+          <a:fontRef idx="minor">
+            <a:schemeClr val="dk1"/>
+          </a:fontRef>
+        </p:style>
+        <p:txBody>
+          <a:bodyPr rtlCol="0" anchor="ctr"/>
+          <a:lstStyle/>
+          <a:p>
+            <a:pPr algn="ctr"/>
+            <a:r>
+              <a:rPr lang="en-US" sz="2800" b="1" dirty="0">
+                <a:solidFill>
+                  <a:srgbClr val="0070C0"/>
+                </a:solidFill>
+                <a:cs typeface="Arial"/>
+              </a:rPr>
+              <a:t>Seller</a:t>
+            </a:r>
+            <a:endParaRPr lang="en-US" dirty="0"/>
+          </a:p>
+        </p:txBody>
+      </p:sp>
+      <p:sp>
+        <p:nvSpPr>
+          <p:cNvPr id="5" name="Rectangle 4"/>
+          <p:cNvSpPr/>
+          <p:nvPr/>
+        </p:nvSpPr>
+        <p:spPr>
+          <a:xfrm>
+            <a:off x="609600" y="1219200"/>
+            <a:ext cx="8077200" cy="4401205"/>
+          </a:xfrm>
+          <a:prstGeom prst="rect">
+            <a:avLst/>
+          </a:prstGeom>
+        </p:spPr>
+        <p:txBody>
+          <a:bodyPr wrap="square">
+            <a:spAutoFit/>
+          </a:bodyPr>
+          <a:lstStyle/>
+          <a:p>
+            <a:pPr marL="1379538" indent="-241300">
+              <a:buFont typeface="Wingdings" pitchFamily="2" charset="2"/>
+              <a:buChar char="§"/>
+            </a:pPr>
+            <a:r>
+              <a:rPr lang="en-US" sz="2000" b="1" dirty="0"/>
+              <a:t>The seller add advertisement.</a:t>
+            </a:r>
+          </a:p>
+          <a:p>
+            <a:pPr marL="1379538" lvl="1" indent="-241300">
+              <a:buFont typeface="Wingdings" pitchFamily="2" charset="2"/>
+              <a:buChar char="§"/>
+            </a:pPr>
+            <a:r>
+              <a:rPr lang="en-US" sz="2000" b="1" dirty="0"/>
+              <a:t>Sending Complaints through  mailbox for the management.</a:t>
+            </a:r>
+          </a:p>
+          <a:p>
+            <a:pPr marL="1379538" lvl="1" indent="-241300">
+              <a:buFont typeface="Wingdings" pitchFamily="2" charset="2"/>
+              <a:buChar char="§"/>
+            </a:pPr>
+            <a:r>
+              <a:rPr lang="en-US" sz="2000" b="1" dirty="0"/>
+              <a:t>The seller update his personal information and add  payment information (Credit account number), company information and product information.</a:t>
+            </a:r>
+          </a:p>
+          <a:p>
+            <a:pPr marL="1379538" lvl="1" indent="-241300">
+              <a:buFont typeface="Wingdings" pitchFamily="2" charset="2"/>
+              <a:buChar char="§"/>
+            </a:pPr>
+            <a:endParaRPr lang="en-US" sz="2000" b="1" dirty="0"/>
+          </a:p>
+          <a:p>
+            <a:pPr marL="1379538" lvl="1" indent="-241300">
+              <a:buFont typeface="Wingdings" pitchFamily="2" charset="2"/>
+              <a:buChar char="§"/>
+            </a:pPr>
+            <a:endParaRPr lang="en-US" sz="2000" b="1" dirty="0"/>
+          </a:p>
+          <a:p>
+            <a:pPr marL="1379538" lvl="1" indent="-241300">
+              <a:buFont typeface="Wingdings" pitchFamily="2" charset="2"/>
+              <a:buChar char="§"/>
+            </a:pPr>
+            <a:endParaRPr lang="en-US" sz="2000" b="1" dirty="0"/>
+          </a:p>
+          <a:p>
+            <a:pPr marL="1379538" lvl="1" indent="-241300">
+              <a:buFont typeface="Wingdings" pitchFamily="2" charset="2"/>
+              <a:buChar char="§"/>
+            </a:pPr>
+            <a:endParaRPr lang="en-US" sz="2000" b="1" dirty="0"/>
+          </a:p>
+          <a:p>
+            <a:pPr marL="1379538" lvl="1" indent="-241300">
+              <a:buFont typeface="Wingdings" pitchFamily="2" charset="2"/>
+              <a:buChar char="§"/>
+            </a:pPr>
+            <a:endParaRPr lang="en-US" sz="2000" b="1" dirty="0"/>
+          </a:p>
+          <a:p>
+            <a:pPr lvl="1"/>
+            <a:r>
+              <a:rPr lang="en-US" sz="2000" b="1" dirty="0"/>
+              <a:t> </a:t>
+            </a:r>
+            <a:endParaRPr lang="en-US" sz="2000" dirty="0"/>
+          </a:p>
+          <a:p>
+            <a:pPr lvl="0"/>
+            <a:r>
+              <a:rPr lang="en-US" sz="2000" b="1" dirty="0">
+                <a:solidFill>
+                  <a:srgbClr val="C00000"/>
+                </a:solidFill>
+              </a:rPr>
+              <a:t> </a:t>
+            </a:r>
+            <a:endParaRPr lang="en-US" dirty="0"/>
+          </a:p>
+          <a:p>
+            <a:r>
+              <a:rPr lang="en-US" sz="2000" b="1" dirty="0"/>
+              <a:t> </a:t>
+            </a:r>
+            <a:endParaRPr lang="en-US" sz="2000" dirty="0"/>
+          </a:p>
+        </p:txBody>
+      </p:sp>
+    </p:spTree>
+    <p:extLst>
+      <p:ext uri="{BB962C8B-B14F-4D97-AF65-F5344CB8AC3E}">
+        <p14:creationId xmlns:p14="http://schemas.microsoft.com/office/powerpoint/2010/main" val="1857180493"/>
+      </p:ext>
+    </p:extLst>
+  </p:cSld>
+  <p:clrMapOvr>
+    <a:masterClrMapping/>
+  </p:clrMapOvr>
+</p:sld>
+</file>
+
+<file path=ppt/slides/slide8.xml><?xml version="1.0" encoding="utf-8"?>
+<p:sld xmlns:a="http://schemas.openxmlformats.org/drawingml/2006/main" xmlns:r="http://schemas.openxmlformats.org/officeDocument/2006/relationships" xmlns:p="http://schemas.openxmlformats.org/presentationml/2006/main">
+  <p:cSld>
+    <p:spTree>
+      <p:nvGrpSpPr>
+        <p:cNvPr id="1" name=""/>
+        <p:cNvGrpSpPr/>
+        <p:nvPr/>
+      </p:nvGrpSpPr>
+      <p:grpSpPr>
+        <a:xfrm>
+          <a:off x="0" y="0"/>
+          <a:ext cx="0" cy="0"/>
+          <a:chOff x="0" y="0"/>
+          <a:chExt cx="0" cy="0"/>
+        </a:xfrm>
+      </p:grpSpPr>
+      <p:graphicFrame>
+        <p:nvGraphicFramePr>
+          <p:cNvPr id="4" name="Diagram 3"/>
+          <p:cNvGraphicFramePr/>
+          <p:nvPr>
+            <p:extLst>
+              <p:ext uri="{D42A27DB-BD31-4B8C-83A1-F6EECF244321}">
+                <p14:modId xmlns:p14="http://schemas.microsoft.com/office/powerpoint/2010/main" val="86475895"/>
+              </p:ext>
+            </p:extLst>
+          </p:nvPr>
+        </p:nvGraphicFramePr>
+        <p:xfrm>
+          <a:off x="304800" y="1219200"/>
+          <a:ext cx="8610600" cy="4064000"/>
+        </p:xfrm>
+        <a:graphic>
+          <a:graphicData uri="http://schemas.openxmlformats.org/drawingml/2006/diagram">
+            <dgm:relIds xmlns:dgm="http://schemas.openxmlformats.org/drawingml/2006/diagram" xmlns:r="http://schemas.openxmlformats.org/officeDocument/2006/relationships" r:dm="rId2" r:lo="rId3" r:qs="rId4" r:cs="rId5"/>
+          </a:graphicData>
+        </a:graphic>
+      </p:graphicFrame>
+    </p:spTree>
+    <p:extLst>
+      <p:ext uri="{BB962C8B-B14F-4D97-AF65-F5344CB8AC3E}">
+        <p14:creationId xmlns:p14="http://schemas.microsoft.com/office/powerpoint/2010/main" val="2527577485"/>
       </p:ext>
     </p:extLst>
   </p:cSld>
@@ -18840,151 +17272,250 @@
       </p:grpSpPr>
       <p:sp>
         <p:nvSpPr>
-          <p:cNvPr id="4" name="Rectangle 3"/>
+          <p:cNvPr id="5" name="Down Ribbon 4"/>
           <p:cNvSpPr/>
           <p:nvPr/>
         </p:nvSpPr>
         <p:spPr>
           <a:xfrm>
-            <a:off x="609600" y="762000"/>
-            <a:ext cx="8077200" cy="3662541"/>
+            <a:off x="1524000" y="228600"/>
+            <a:ext cx="6553200" cy="762000"/>
+          </a:xfrm>
+          <a:prstGeom prst="ribbon">
+            <a:avLst/>
+          </a:prstGeom>
+        </p:spPr>
+        <p:style>
+          <a:lnRef idx="1">
+            <a:schemeClr val="accent1"/>
+          </a:lnRef>
+          <a:fillRef idx="2">
+            <a:schemeClr val="accent1"/>
+          </a:fillRef>
+          <a:effectRef idx="1">
+            <a:schemeClr val="accent1"/>
+          </a:effectRef>
+          <a:fontRef idx="minor">
+            <a:schemeClr val="dk1"/>
+          </a:fontRef>
+        </p:style>
+        <p:txBody>
+          <a:bodyPr rtlCol="0" anchor="ctr"/>
+          <a:lstStyle/>
+          <a:p>
+            <a:pPr algn="ctr"/>
+            <a:r>
+              <a:rPr lang="en-US" sz="2800" b="1" dirty="0">
+                <a:solidFill>
+                  <a:srgbClr val="0070C0"/>
+                </a:solidFill>
+                <a:ea typeface="Calibri"/>
+                <a:cs typeface="Arial"/>
+              </a:rPr>
+              <a:t>Operational</a:t>
+            </a:r>
+            <a:endParaRPr lang="en-US" dirty="0"/>
+          </a:p>
+        </p:txBody>
+      </p:sp>
+      <p:sp>
+        <p:nvSpPr>
+          <p:cNvPr id="6" name="TextBox 5"/>
+          <p:cNvSpPr txBox="1"/>
+          <p:nvPr/>
+        </p:nvSpPr>
+        <p:spPr>
+          <a:xfrm>
+            <a:off x="152400" y="1066800"/>
+            <a:ext cx="8991599" cy="1938992"/>
           </a:xfrm>
           <a:prstGeom prst="rect">
             <a:avLst/>
           </a:prstGeom>
+          <a:noFill/>
         </p:spPr>
         <p:txBody>
-          <a:bodyPr wrap="square">
+          <a:bodyPr wrap="square" rtlCol="0">
             <a:spAutoFit/>
           </a:bodyPr>
           <a:lstStyle/>
           <a:p>
-            <a:pPr lvl="0"/>
-            <a:r>
-              <a:rPr lang="en-US" sz="2000" b="1" dirty="0">
-                <a:solidFill>
-                  <a:srgbClr val="C00000"/>
-                </a:solidFill>
-              </a:rPr>
-              <a:t>5.    Enter rating:</a:t>
-            </a:r>
-          </a:p>
-          <a:p>
-            <a:pPr marL="1384300" lvl="1" indent="-285750">
+            <a:pPr marL="342900" lvl="0" indent="-342900">
               <a:buFont typeface="Wingdings" pitchFamily="2" charset="2"/>
               <a:buChar char="§"/>
             </a:pPr>
             <a:r>
-              <a:rPr lang="en-US" b="1" dirty="0"/>
-              <a:t>Click number of stars of seller rating.</a:t>
+              <a:rPr lang="en-US" sz="2000" b="1" dirty="0"/>
+              <a:t>Cross platforms.</a:t>
             </a:r>
-            <a:endParaRPr lang="en-US" dirty="0"/>
-          </a:p>
-          <a:p>
-            <a:pPr marL="1384300" lvl="1" indent="-285750">
+          </a:p>
+          <a:p>
+            <a:pPr marL="342900" lvl="0" indent="-342900">
               <a:buFont typeface="Wingdings" pitchFamily="2" charset="2"/>
               <a:buChar char="§"/>
             </a:pPr>
             <a:r>
-              <a:rPr lang="en-US" b="1" dirty="0"/>
-              <a:t>Click number of stars of product rating.</a:t>
+              <a:rPr lang="en-US" sz="2000" b="1" dirty="0"/>
+              <a:t>The seller should return the product </a:t>
             </a:r>
-          </a:p>
-          <a:p>
-            <a:pPr marL="1384300" lvl="1" indent="-285750">
+            <a:r>
+              <a:rPr lang="en-US" sz="2000" b="1" dirty="0">
+                <a:solidFill>
+                  <a:prstClr val="black"/>
+                </a:solidFill>
+              </a:rPr>
+              <a:t>if it’s wrong product or it’s not in good condition.</a:t>
+            </a:r>
+            <a:r>
+              <a:rPr lang="en-US" sz="2000" b="1" dirty="0"/>
+              <a:t> </a:t>
+            </a:r>
+          </a:p>
+          <a:p>
+            <a:pPr marL="342900" lvl="0" indent="-342900">
               <a:buFont typeface="Wingdings" pitchFamily="2" charset="2"/>
               <a:buChar char="§"/>
             </a:pPr>
             <a:r>
-              <a:rPr lang="en-US" b="1" dirty="0"/>
-              <a:t>Add review comment about seller and product.</a:t>
+              <a:rPr lang="en-US" sz="2000" b="1" dirty="0"/>
+              <a:t>The system will be user friendly, consistent, intuitive and descriptive UI.</a:t>
             </a:r>
-          </a:p>
-          <a:p>
-            <a:pPr marL="1384300" lvl="1" indent="-285750">
-              <a:buFont typeface="Wingdings" pitchFamily="2" charset="2"/>
-              <a:buChar char="§"/>
-            </a:pPr>
-            <a:endParaRPr lang="en-US" b="1" dirty="0"/>
-          </a:p>
-          <a:p>
-            <a:pPr lvl="0"/>
-            <a:r>
-              <a:rPr lang="en-US" sz="2000" b="1" dirty="0">
-                <a:solidFill>
-                  <a:srgbClr val="C00000"/>
-                </a:solidFill>
-              </a:rPr>
-              <a:t>6.   Contact: </a:t>
-            </a:r>
-            <a:endParaRPr lang="en-US" sz="2000" dirty="0">
-              <a:solidFill>
-                <a:srgbClr val="C00000"/>
-              </a:solidFill>
-            </a:endParaRPr>
-          </a:p>
-          <a:p>
-            <a:pPr marL="1384300" lvl="1" indent="-285750">
+            <a:endParaRPr lang="en-US" sz="2000" dirty="0"/>
+          </a:p>
+          <a:p>
+            <a:pPr marL="342900" lvl="0" indent="-342900">
               <a:buFont typeface="Wingdings" pitchFamily="2" charset="2"/>
               <a:buChar char="§"/>
             </a:pPr>
             <a:r>
-              <a:rPr lang="en-US" b="1" dirty="0"/>
-              <a:t>Click</a:t>
+              <a:rPr lang="en-US" sz="2000" b="1" dirty="0"/>
+              <a:t>The system should have a maximum of 2:3 clicks to reach any content.</a:t>
             </a:r>
-            <a:r>
-              <a:rPr lang="en-US" dirty="0"/>
-              <a:t> </a:t>
-            </a:r>
-            <a:r>
-              <a:rPr lang="en-US" b="1" dirty="0">
-                <a:solidFill>
-                  <a:prstClr val="black"/>
-                </a:solidFill>
-              </a:rPr>
-              <a:t>Contact to message seller and return product if it’s wrong product or it’s not in good condition.</a:t>
-            </a:r>
-          </a:p>
-          <a:p>
-            <a:pPr marL="1098550" lvl="1"/>
-            <a:endParaRPr lang="en-US" b="1" dirty="0"/>
-          </a:p>
-          <a:p>
-            <a:r>
-              <a:rPr lang="en-US" b="1" dirty="0"/>
-              <a:t> </a:t>
-            </a:r>
-            <a:r>
-              <a:rPr lang="en-US" sz="2000" b="1" dirty="0">
-                <a:solidFill>
-                  <a:srgbClr val="C00000"/>
-                </a:solidFill>
-              </a:rPr>
-              <a:t>7.   Complaints:</a:t>
-            </a:r>
-          </a:p>
-          <a:p>
-            <a:pPr marL="1384300" lvl="1" indent="-285750">
+            <a:endParaRPr lang="en-US" sz="2000" dirty="0"/>
+          </a:p>
+          <a:p>
+            <a:pPr marL="342900" lvl="0" indent="-342900">
               <a:buFont typeface="Wingdings" pitchFamily="2" charset="2"/>
               <a:buChar char="§"/>
             </a:pPr>
             <a:r>
-              <a:rPr lang="en-US" b="1" dirty="0"/>
-              <a:t>Sending Complaints through  mailbox for the management.</a:t>
+              <a:rPr lang="en-US" sz="2000" b="1" dirty="0"/>
+              <a:t>The system should be evolvable, scalable, testable and maintainable.</a:t>
             </a:r>
-          </a:p>
-          <a:p>
-            <a:endParaRPr lang="en-US" sz="1400" dirty="0"/>
-          </a:p>
-          <a:p>
-            <a:endParaRPr lang="en-US" sz="1400" dirty="0"/>
+            <a:endParaRPr lang="en-US" sz="2000" dirty="0"/>
+          </a:p>
+        </p:txBody>
+      </p:sp>
+      <p:sp>
+        <p:nvSpPr>
+          <p:cNvPr id="7" name="Down Ribbon 6"/>
+          <p:cNvSpPr/>
+          <p:nvPr/>
+        </p:nvSpPr>
+        <p:spPr>
+          <a:xfrm>
+            <a:off x="1540042" y="3581400"/>
+            <a:ext cx="6553200" cy="755809"/>
+          </a:xfrm>
+          <a:prstGeom prst="ribbon">
+            <a:avLst/>
+          </a:prstGeom>
+        </p:spPr>
+        <p:style>
+          <a:lnRef idx="1">
+            <a:schemeClr val="accent1"/>
+          </a:lnRef>
+          <a:fillRef idx="2">
+            <a:schemeClr val="accent1"/>
+          </a:fillRef>
+          <a:effectRef idx="1">
+            <a:schemeClr val="accent1"/>
+          </a:effectRef>
+          <a:fontRef idx="minor">
+            <a:schemeClr val="dk1"/>
+          </a:fontRef>
+        </p:style>
+        <p:txBody>
+          <a:bodyPr rtlCol="0" anchor="ctr"/>
+          <a:lstStyle/>
+          <a:p>
+            <a:pPr lvl="0" algn="ctr"/>
+            <a:r>
+              <a:rPr lang="en-US" sz="2800" b="1" dirty="0">
+                <a:solidFill>
+                  <a:srgbClr val="0070C0"/>
+                </a:solidFill>
+              </a:rPr>
+              <a:t>Performance</a:t>
+            </a:r>
+            <a:endParaRPr lang="en-US" sz="4000" b="1" dirty="0">
+              <a:solidFill>
+                <a:srgbClr val="0070C0"/>
+              </a:solidFill>
+            </a:endParaRPr>
+          </a:p>
+        </p:txBody>
+      </p:sp>
+      <p:sp>
+        <p:nvSpPr>
+          <p:cNvPr id="9" name="TextBox 8"/>
+          <p:cNvSpPr txBox="1"/>
+          <p:nvPr/>
+        </p:nvSpPr>
+        <p:spPr>
+          <a:xfrm>
+            <a:off x="152400" y="4572000"/>
+            <a:ext cx="8619643" cy="1323439"/>
+          </a:xfrm>
+          <a:prstGeom prst="rect">
+            <a:avLst/>
+          </a:prstGeom>
+          <a:noFill/>
+        </p:spPr>
+        <p:txBody>
+          <a:bodyPr wrap="square" rtlCol="0">
+            <a:spAutoFit/>
+          </a:bodyPr>
+          <a:lstStyle/>
+          <a:p>
+            <a:pPr marL="342900" lvl="0" indent="-342900">
+              <a:buFont typeface="Wingdings" pitchFamily="2" charset="2"/>
+              <a:buChar char="§"/>
+            </a:pPr>
+            <a:r>
+              <a:rPr lang="en-US" sz="2000" b="1" dirty="0"/>
+              <a:t>Quick ask &amp; response (under 2 sec).</a:t>
+            </a:r>
+            <a:endParaRPr lang="en-US" sz="2000" dirty="0"/>
+          </a:p>
+          <a:p>
+            <a:pPr marL="342900" lvl="0" indent="-342900">
+              <a:buFont typeface="Wingdings" pitchFamily="2" charset="2"/>
+              <a:buChar char="§"/>
+            </a:pPr>
+            <a:r>
+              <a:rPr lang="en-US" sz="2000" b="1" dirty="0"/>
+              <a:t>The system should be available 24 hours a day.</a:t>
+            </a:r>
+            <a:endParaRPr lang="en-US" sz="2000" dirty="0"/>
+          </a:p>
+          <a:p>
+            <a:pPr marL="342900" lvl="0" indent="-342900">
+              <a:buFont typeface="Wingdings" pitchFamily="2" charset="2"/>
+              <a:buChar char="§"/>
+            </a:pPr>
+            <a:r>
+              <a:rPr lang="en-US" sz="2000" b="1" dirty="0"/>
+              <a:t>20 minutes are specified daily on a fixed date [3 am (low-intensity hours)] to maintain and update the system.</a:t>
+            </a:r>
+            <a:endParaRPr lang="en-US" sz="2000" dirty="0"/>
           </a:p>
         </p:txBody>
       </p:sp>
     </p:spTree>
     <p:extLst>
       <p:ext uri="{BB962C8B-B14F-4D97-AF65-F5344CB8AC3E}">
-        <p14:creationId xmlns:p14="http://schemas.microsoft.com/office/powerpoint/2010/main" val="1505810966"/>
+        <p14:creationId xmlns:p14="http://schemas.microsoft.com/office/powerpoint/2010/main" val="2240713010"/>
       </p:ext>
     </p:extLst>
   </p:cSld>
